--- a/Б9121-09.03.03пикд_команда_4_презентация.pptx
+++ b/Б9121-09.03.03пикд_команда_4_презентация.pptx
@@ -5,19 +5,22 @@
     <p:sldMasterId id="2147483768" r:id="rId1"/>
   </p:sldMasterIdLst>
   <p:notesMasterIdLst>
-    <p:notesMasterId r:id="rId12"/>
+    <p:notesMasterId r:id="rId15"/>
   </p:notesMasterIdLst>
   <p:sldIdLst>
     <p:sldId id="256" r:id="rId2"/>
     <p:sldId id="257" r:id="rId3"/>
     <p:sldId id="262" r:id="rId4"/>
     <p:sldId id="261" r:id="rId5"/>
-    <p:sldId id="258" r:id="rId6"/>
-    <p:sldId id="263" r:id="rId7"/>
-    <p:sldId id="264" r:id="rId8"/>
-    <p:sldId id="265" r:id="rId9"/>
-    <p:sldId id="259" r:id="rId10"/>
-    <p:sldId id="260" r:id="rId11"/>
+    <p:sldId id="267" r:id="rId6"/>
+    <p:sldId id="258" r:id="rId7"/>
+    <p:sldId id="263" r:id="rId8"/>
+    <p:sldId id="264" r:id="rId9"/>
+    <p:sldId id="266" r:id="rId10"/>
+    <p:sldId id="265" r:id="rId11"/>
+    <p:sldId id="268" r:id="rId12"/>
+    <p:sldId id="259" r:id="rId13"/>
+    <p:sldId id="260" r:id="rId14"/>
   </p:sldIdLst>
   <p:sldSz cx="12192000" cy="6858000"/>
   <p:notesSz cx="6858000" cy="9144000"/>
@@ -206,7 +209,7 @@
           <a:p>
             <a:fld id="{9C5E11E0-DFA4-450F-80BE-DDF44D8DC475}" type="datetimeFigureOut">
               <a:rPr lang="ru-RU" smtClean="0"/>
-              <a:t>03.06.2023</a:t>
+              <a:t>10.06.2023</a:t>
             </a:fld>
             <a:endParaRPr lang="ru-RU"/>
           </a:p>
@@ -620,7 +623,7 @@
           <a:p>
             <a:fld id="{E819CFBF-8CE3-4AA8-AD99-5BCE60342EA7}" type="datetime1">
               <a:rPr lang="ru-RU" smtClean="0"/>
-              <a:t>03.06.2023</a:t>
+              <a:t>10.06.2023</a:t>
             </a:fld>
             <a:endParaRPr lang="ru-RU"/>
           </a:p>
@@ -830,7 +833,7 @@
           <a:p>
             <a:fld id="{0966B474-481C-4E0E-88B5-37BB142B885E}" type="datetime1">
               <a:rPr lang="ru-RU" smtClean="0"/>
-              <a:t>03.06.2023</a:t>
+              <a:t>10.06.2023</a:t>
             </a:fld>
             <a:endParaRPr lang="ru-RU"/>
           </a:p>
@@ -1050,7 +1053,7 @@
           <a:p>
             <a:fld id="{9966CE39-5D76-4A8E-A3C6-CADB42755F60}" type="datetime1">
               <a:rPr lang="ru-RU" smtClean="0"/>
-              <a:t>03.06.2023</a:t>
+              <a:t>10.06.2023</a:t>
             </a:fld>
             <a:endParaRPr lang="ru-RU"/>
           </a:p>
@@ -1260,7 +1263,7 @@
           <a:p>
             <a:fld id="{0BD56000-D87D-48AD-9A92-A13D91EBC971}" type="datetime1">
               <a:rPr lang="ru-RU" smtClean="0"/>
-              <a:t>03.06.2023</a:t>
+              <a:t>10.06.2023</a:t>
             </a:fld>
             <a:endParaRPr lang="ru-RU"/>
           </a:p>
@@ -1547,7 +1550,7 @@
           <a:p>
             <a:fld id="{E74E79F0-F642-4E74-9603-DE4AAB9406F9}" type="datetime1">
               <a:rPr lang="ru-RU" smtClean="0"/>
-              <a:t>03.06.2023</a:t>
+              <a:t>10.06.2023</a:t>
             </a:fld>
             <a:endParaRPr lang="ru-RU"/>
           </a:p>
@@ -1824,7 +1827,7 @@
           <a:p>
             <a:fld id="{AFC458F2-0520-4C2A-8F80-5FCB25AE93F4}" type="datetime1">
               <a:rPr lang="ru-RU" smtClean="0"/>
-              <a:t>03.06.2023</a:t>
+              <a:t>10.06.2023</a:t>
             </a:fld>
             <a:endParaRPr lang="ru-RU"/>
           </a:p>
@@ -2248,7 +2251,7 @@
           <a:p>
             <a:fld id="{47C4413D-BF3D-4E7E-B114-DEA13E1EED23}" type="datetime1">
               <a:rPr lang="ru-RU" smtClean="0"/>
-              <a:t>03.06.2023</a:t>
+              <a:t>10.06.2023</a:t>
             </a:fld>
             <a:endParaRPr lang="ru-RU"/>
           </a:p>
@@ -2401,7 +2404,7 @@
           <a:p>
             <a:fld id="{547E7117-5870-4E0B-99C0-00A628C1971B}" type="datetime1">
               <a:rPr lang="ru-RU" smtClean="0"/>
-              <a:t>03.06.2023</a:t>
+              <a:t>10.06.2023</a:t>
             </a:fld>
             <a:endParaRPr lang="ru-RU"/>
           </a:p>
@@ -2526,7 +2529,7 @@
           <a:p>
             <a:fld id="{EBFC51C5-DA0B-4263-B2AD-ADD646FEB631}" type="datetime1">
               <a:rPr lang="ru-RU" smtClean="0"/>
-              <a:t>03.06.2023</a:t>
+              <a:t>10.06.2023</a:t>
             </a:fld>
             <a:endParaRPr lang="ru-RU"/>
           </a:p>
@@ -2849,7 +2852,7 @@
           <a:p>
             <a:fld id="{C26E5D4E-8186-4081-A393-83583D0FE156}" type="datetime1">
               <a:rPr lang="ru-RU" smtClean="0"/>
-              <a:t>03.06.2023</a:t>
+              <a:t>10.06.2023</a:t>
             </a:fld>
             <a:endParaRPr lang="ru-RU"/>
           </a:p>
@@ -3149,7 +3152,7 @@
           <a:p>
             <a:fld id="{F7F1D360-B0F8-4712-905F-74A86F5A3C84}" type="datetime1">
               <a:rPr lang="ru-RU" smtClean="0"/>
-              <a:t>03.06.2023</a:t>
+              <a:t>10.06.2023</a:t>
             </a:fld>
             <a:endParaRPr lang="ru-RU"/>
           </a:p>
@@ -3412,7 +3415,7 @@
           <a:p>
             <a:fld id="{68139BC1-BE4A-43EC-9312-06BEFABBDB45}" type="datetime1">
               <a:rPr lang="ru-RU" smtClean="0"/>
-              <a:t>03.06.2023</a:t>
+              <a:t>10.06.2023</a:t>
             </a:fld>
             <a:endParaRPr lang="ru-RU"/>
           </a:p>
@@ -4097,7 +4100,7 @@
           <a:p>
             <a:r>
               <a:rPr lang="ru-RU" sz="6000" dirty="0"/>
-              <a:t>Заключение</a:t>
+              <a:t>Реализация и тестирование</a:t>
             </a:r>
           </a:p>
         </p:txBody>
@@ -4125,14 +4128,13 @@
           </a:bodyPr>
           <a:lstStyle/>
           <a:p>
-            <a:pPr lvl="0"/>
-            <a:r>
-              <a:rPr lang="ru-RU" dirty="0">
+            <a:r>
+              <a:rPr lang="ru-RU" sz="3200" dirty="0">
                 <a:solidFill>
                   <a:srgbClr val="FF0000"/>
                 </a:solidFill>
               </a:rPr>
-              <a:t>Взять из отчета, когда будет готово полностью</a:t>
+              <a:t>Взять из отчета, когда будет</a:t>
             </a:r>
           </a:p>
         </p:txBody>
@@ -4142,7 +4144,7 @@
           <p:cNvPr id="3" name="Номер слайда 2">
             <a:extLst>
               <a:ext uri="{FF2B5EF4-FFF2-40B4-BE49-F238E27FC236}">
-                <a16:creationId xmlns:a16="http://schemas.microsoft.com/office/drawing/2014/main" id="{80F9D9E8-39BB-4602-A24D-6830A22B8F83}"/>
+                <a16:creationId xmlns:a16="http://schemas.microsoft.com/office/drawing/2014/main" id="{4F4D0B9F-DFAF-4C5F-84FC-76487543802F}"/>
               </a:ext>
             </a:extLst>
           </p:cNvPr>
@@ -4165,6 +4167,451 @@
                 </a:solidFill>
               </a:rPr>
               <a:t>10</a:t>
+            </a:fld>
+            <a:endParaRPr lang="ru-RU" sz="2000" dirty="0">
+              <a:solidFill>
+                <a:schemeClr val="tx1"/>
+              </a:solidFill>
+            </a:endParaRPr>
+          </a:p>
+        </p:txBody>
+      </p:sp>
+    </p:spTree>
+    <p:extLst>
+      <p:ext uri="{BB962C8B-B14F-4D97-AF65-F5344CB8AC3E}">
+        <p14:creationId xmlns:p14="http://schemas.microsoft.com/office/powerpoint/2010/main" val="197529683"/>
+      </p:ext>
+    </p:extLst>
+  </p:cSld>
+  <p:clrMapOvr>
+    <a:masterClrMapping/>
+  </p:clrMapOvr>
+  <mc:AlternateContent xmlns:mc="http://schemas.openxmlformats.org/markup-compatibility/2006" xmlns:p14="http://schemas.microsoft.com/office/powerpoint/2010/main">
+    <mc:Choice Requires="p14">
+      <p:transition spd="med" p14:dur="700">
+        <p:fade/>
+      </p:transition>
+    </mc:Choice>
+    <mc:Fallback xmlns="">
+      <p:transition spd="med">
+        <p:fade/>
+      </p:transition>
+    </mc:Fallback>
+  </mc:AlternateContent>
+</p:sld>
+</file>
+
+<file path=ppt/slides/slide11.xml><?xml version="1.0" encoding="utf-8"?>
+<p:sld xmlns:a="http://schemas.openxmlformats.org/drawingml/2006/main" xmlns:r="http://schemas.openxmlformats.org/officeDocument/2006/relationships" xmlns:p="http://schemas.openxmlformats.org/presentationml/2006/main">
+  <p:cSld>
+    <p:spTree>
+      <p:nvGrpSpPr>
+        <p:cNvPr id="1" name=""/>
+        <p:cNvGrpSpPr/>
+        <p:nvPr/>
+      </p:nvGrpSpPr>
+      <p:grpSpPr>
+        <a:xfrm>
+          <a:off x="0" y="0"/>
+          <a:ext cx="0" cy="0"/>
+          <a:chOff x="0" y="0"/>
+          <a:chExt cx="0" cy="0"/>
+        </a:xfrm>
+      </p:grpSpPr>
+      <p:sp>
+        <p:nvSpPr>
+          <p:cNvPr id="2" name="Заголовок 1">
+            <a:extLst>
+              <a:ext uri="{FF2B5EF4-FFF2-40B4-BE49-F238E27FC236}">
+                <a16:creationId xmlns:a16="http://schemas.microsoft.com/office/drawing/2014/main" id="{6C76CF55-73FC-47A3-B873-80D7CBEC1240}"/>
+              </a:ext>
+            </a:extLst>
+          </p:cNvPr>
+          <p:cNvSpPr>
+            <a:spLocks noGrp="1"/>
+          </p:cNvSpPr>
+          <p:nvPr>
+            <p:ph type="title"/>
+          </p:nvPr>
+        </p:nvSpPr>
+        <p:spPr>
+          <a:xfrm>
+            <a:off x="838200" y="500062"/>
+            <a:ext cx="10515600" cy="1325563"/>
+          </a:xfrm>
+        </p:spPr>
+        <p:txBody>
+          <a:bodyPr>
+            <a:normAutofit/>
+          </a:bodyPr>
+          <a:lstStyle/>
+          <a:p>
+            <a:r>
+              <a:rPr lang="ru-RU" sz="6000" dirty="0"/>
+              <a:t>Алгоритм генерации</a:t>
+            </a:r>
+          </a:p>
+        </p:txBody>
+      </p:sp>
+      <p:sp>
+        <p:nvSpPr>
+          <p:cNvPr id="10" name="Объект 9">
+            <a:extLst>
+              <a:ext uri="{FF2B5EF4-FFF2-40B4-BE49-F238E27FC236}">
+                <a16:creationId xmlns:a16="http://schemas.microsoft.com/office/drawing/2014/main" id="{DD29C2E1-BBD3-4262-BD4C-5AC1D5BE4B85}"/>
+              </a:ext>
+            </a:extLst>
+          </p:cNvPr>
+          <p:cNvSpPr>
+            <a:spLocks noGrp="1"/>
+          </p:cNvSpPr>
+          <p:nvPr>
+            <p:ph idx="1"/>
+          </p:nvPr>
+        </p:nvSpPr>
+        <p:spPr/>
+        <p:txBody>
+          <a:bodyPr>
+            <a:normAutofit/>
+          </a:bodyPr>
+          <a:lstStyle/>
+          <a:p>
+            <a:r>
+              <a:rPr lang="ru-RU" sz="3200" dirty="0">
+                <a:solidFill>
+                  <a:srgbClr val="FF0000"/>
+                </a:solidFill>
+              </a:rPr>
+              <a:t>Взять из отчета, когда будет</a:t>
+            </a:r>
+          </a:p>
+        </p:txBody>
+      </p:sp>
+      <p:sp>
+        <p:nvSpPr>
+          <p:cNvPr id="3" name="Номер слайда 2">
+            <a:extLst>
+              <a:ext uri="{FF2B5EF4-FFF2-40B4-BE49-F238E27FC236}">
+                <a16:creationId xmlns:a16="http://schemas.microsoft.com/office/drawing/2014/main" id="{4F4D0B9F-DFAF-4C5F-84FC-76487543802F}"/>
+              </a:ext>
+            </a:extLst>
+          </p:cNvPr>
+          <p:cNvSpPr>
+            <a:spLocks noGrp="1"/>
+          </p:cNvSpPr>
+          <p:nvPr>
+            <p:ph type="sldNum" sz="quarter" idx="12"/>
+          </p:nvPr>
+        </p:nvSpPr>
+        <p:spPr/>
+        <p:txBody>
+          <a:bodyPr/>
+          <a:lstStyle/>
+          <a:p>
+            <a:fld id="{617E17E3-83CB-4C93-A54B-1DA4FA6C581A}" type="slidenum">
+              <a:rPr lang="ru-RU" sz="2000" smtClean="0">
+                <a:solidFill>
+                  <a:schemeClr val="tx1"/>
+                </a:solidFill>
+              </a:rPr>
+              <a:t>11</a:t>
+            </a:fld>
+            <a:endParaRPr lang="ru-RU" sz="2000" dirty="0">
+              <a:solidFill>
+                <a:schemeClr val="tx1"/>
+              </a:solidFill>
+            </a:endParaRPr>
+          </a:p>
+        </p:txBody>
+      </p:sp>
+    </p:spTree>
+    <p:extLst>
+      <p:ext uri="{BB962C8B-B14F-4D97-AF65-F5344CB8AC3E}">
+        <p14:creationId xmlns:p14="http://schemas.microsoft.com/office/powerpoint/2010/main" val="1103075350"/>
+      </p:ext>
+    </p:extLst>
+  </p:cSld>
+  <p:clrMapOvr>
+    <a:masterClrMapping/>
+  </p:clrMapOvr>
+  <mc:AlternateContent xmlns:mc="http://schemas.openxmlformats.org/markup-compatibility/2006">
+    <mc:Choice xmlns:p14="http://schemas.microsoft.com/office/powerpoint/2010/main" Requires="p14">
+      <p:transition spd="med" p14:dur="700">
+        <p:fade/>
+      </p:transition>
+    </mc:Choice>
+    <mc:Fallback>
+      <p:transition spd="med">
+        <p:fade/>
+      </p:transition>
+    </mc:Fallback>
+  </mc:AlternateContent>
+</p:sld>
+</file>
+
+<file path=ppt/slides/slide12.xml><?xml version="1.0" encoding="utf-8"?>
+<p:sld xmlns:a="http://schemas.openxmlformats.org/drawingml/2006/main" xmlns:r="http://schemas.openxmlformats.org/officeDocument/2006/relationships" xmlns:p="http://schemas.openxmlformats.org/presentationml/2006/main">
+  <p:cSld>
+    <p:spTree>
+      <p:nvGrpSpPr>
+        <p:cNvPr id="1" name=""/>
+        <p:cNvGrpSpPr/>
+        <p:nvPr/>
+      </p:nvGrpSpPr>
+      <p:grpSpPr>
+        <a:xfrm>
+          <a:off x="0" y="0"/>
+          <a:ext cx="0" cy="0"/>
+          <a:chOff x="0" y="0"/>
+          <a:chExt cx="0" cy="0"/>
+        </a:xfrm>
+      </p:grpSpPr>
+      <p:sp>
+        <p:nvSpPr>
+          <p:cNvPr id="2" name="Заголовок 1">
+            <a:extLst>
+              <a:ext uri="{FF2B5EF4-FFF2-40B4-BE49-F238E27FC236}">
+                <a16:creationId xmlns:a16="http://schemas.microsoft.com/office/drawing/2014/main" id="{6C76CF55-73FC-47A3-B873-80D7CBEC1240}"/>
+              </a:ext>
+            </a:extLst>
+          </p:cNvPr>
+          <p:cNvSpPr>
+            <a:spLocks noGrp="1"/>
+          </p:cNvSpPr>
+          <p:nvPr>
+            <p:ph type="title"/>
+          </p:nvPr>
+        </p:nvSpPr>
+        <p:spPr>
+          <a:xfrm>
+            <a:off x="838200" y="500062"/>
+            <a:ext cx="10515600" cy="1325563"/>
+          </a:xfrm>
+        </p:spPr>
+        <p:txBody>
+          <a:bodyPr>
+            <a:normAutofit/>
+          </a:bodyPr>
+          <a:lstStyle/>
+          <a:p>
+            <a:r>
+              <a:rPr lang="ru-RU" sz="6000" dirty="0"/>
+              <a:t>Статистика</a:t>
+            </a:r>
+          </a:p>
+        </p:txBody>
+      </p:sp>
+      <p:sp>
+        <p:nvSpPr>
+          <p:cNvPr id="10" name="Объект 9">
+            <a:extLst>
+              <a:ext uri="{FF2B5EF4-FFF2-40B4-BE49-F238E27FC236}">
+                <a16:creationId xmlns:a16="http://schemas.microsoft.com/office/drawing/2014/main" id="{DD29C2E1-BBD3-4262-BD4C-5AC1D5BE4B85}"/>
+              </a:ext>
+            </a:extLst>
+          </p:cNvPr>
+          <p:cNvSpPr>
+            <a:spLocks noGrp="1"/>
+          </p:cNvSpPr>
+          <p:nvPr>
+            <p:ph idx="1"/>
+          </p:nvPr>
+        </p:nvSpPr>
+        <p:spPr/>
+        <p:txBody>
+          <a:bodyPr>
+            <a:normAutofit/>
+          </a:bodyPr>
+          <a:lstStyle/>
+          <a:p>
+            <a:r>
+              <a:rPr lang="ru-RU" sz="3200" dirty="0">
+                <a:solidFill>
+                  <a:srgbClr val="FF0000"/>
+                </a:solidFill>
+              </a:rPr>
+              <a:t>Взять из отчета, когда будет</a:t>
+            </a:r>
+          </a:p>
+        </p:txBody>
+      </p:sp>
+      <p:sp>
+        <p:nvSpPr>
+          <p:cNvPr id="3" name="Номер слайда 2">
+            <a:extLst>
+              <a:ext uri="{FF2B5EF4-FFF2-40B4-BE49-F238E27FC236}">
+                <a16:creationId xmlns:a16="http://schemas.microsoft.com/office/drawing/2014/main" id="{6CD65B95-1098-4BCD-B08E-ACE1CA3C4EED}"/>
+              </a:ext>
+            </a:extLst>
+          </p:cNvPr>
+          <p:cNvSpPr>
+            <a:spLocks noGrp="1"/>
+          </p:cNvSpPr>
+          <p:nvPr>
+            <p:ph type="sldNum" sz="quarter" idx="12"/>
+          </p:nvPr>
+        </p:nvSpPr>
+        <p:spPr/>
+        <p:txBody>
+          <a:bodyPr/>
+          <a:lstStyle/>
+          <a:p>
+            <a:fld id="{617E17E3-83CB-4C93-A54B-1DA4FA6C581A}" type="slidenum">
+              <a:rPr lang="ru-RU" sz="2000" smtClean="0">
+                <a:solidFill>
+                  <a:schemeClr val="tx1"/>
+                </a:solidFill>
+              </a:rPr>
+              <a:t>12</a:t>
+            </a:fld>
+            <a:endParaRPr lang="ru-RU" sz="2000" dirty="0">
+              <a:solidFill>
+                <a:schemeClr val="tx1"/>
+              </a:solidFill>
+            </a:endParaRPr>
+          </a:p>
+        </p:txBody>
+      </p:sp>
+    </p:spTree>
+    <p:extLst>
+      <p:ext uri="{BB962C8B-B14F-4D97-AF65-F5344CB8AC3E}">
+        <p14:creationId xmlns:p14="http://schemas.microsoft.com/office/powerpoint/2010/main" val="1386088205"/>
+      </p:ext>
+    </p:extLst>
+  </p:cSld>
+  <p:clrMapOvr>
+    <a:masterClrMapping/>
+  </p:clrMapOvr>
+  <mc:AlternateContent xmlns:mc="http://schemas.openxmlformats.org/markup-compatibility/2006" xmlns:p14="http://schemas.microsoft.com/office/powerpoint/2010/main">
+    <mc:Choice Requires="p14">
+      <p:transition spd="med" p14:dur="700">
+        <p:fade/>
+      </p:transition>
+    </mc:Choice>
+    <mc:Fallback xmlns="">
+      <p:transition spd="med">
+        <p:fade/>
+      </p:transition>
+    </mc:Fallback>
+  </mc:AlternateContent>
+</p:sld>
+</file>
+
+<file path=ppt/slides/slide13.xml><?xml version="1.0" encoding="utf-8"?>
+<p:sld xmlns:a="http://schemas.openxmlformats.org/drawingml/2006/main" xmlns:r="http://schemas.openxmlformats.org/officeDocument/2006/relationships" xmlns:p="http://schemas.openxmlformats.org/presentationml/2006/main">
+  <p:cSld>
+    <p:spTree>
+      <p:nvGrpSpPr>
+        <p:cNvPr id="1" name=""/>
+        <p:cNvGrpSpPr/>
+        <p:nvPr/>
+      </p:nvGrpSpPr>
+      <p:grpSpPr>
+        <a:xfrm>
+          <a:off x="0" y="0"/>
+          <a:ext cx="0" cy="0"/>
+          <a:chOff x="0" y="0"/>
+          <a:chExt cx="0" cy="0"/>
+        </a:xfrm>
+      </p:grpSpPr>
+      <p:sp>
+        <p:nvSpPr>
+          <p:cNvPr id="2" name="Заголовок 1">
+            <a:extLst>
+              <a:ext uri="{FF2B5EF4-FFF2-40B4-BE49-F238E27FC236}">
+                <a16:creationId xmlns:a16="http://schemas.microsoft.com/office/drawing/2014/main" id="{6C76CF55-73FC-47A3-B873-80D7CBEC1240}"/>
+              </a:ext>
+            </a:extLst>
+          </p:cNvPr>
+          <p:cNvSpPr>
+            <a:spLocks noGrp="1"/>
+          </p:cNvSpPr>
+          <p:nvPr>
+            <p:ph type="title"/>
+          </p:nvPr>
+        </p:nvSpPr>
+        <p:spPr>
+          <a:xfrm>
+            <a:off x="838200" y="500062"/>
+            <a:ext cx="10515600" cy="1325563"/>
+          </a:xfrm>
+        </p:spPr>
+        <p:txBody>
+          <a:bodyPr>
+            <a:normAutofit/>
+          </a:bodyPr>
+          <a:lstStyle/>
+          <a:p>
+            <a:r>
+              <a:rPr lang="ru-RU" sz="6000" dirty="0"/>
+              <a:t>Заключение</a:t>
+            </a:r>
+          </a:p>
+        </p:txBody>
+      </p:sp>
+      <p:sp>
+        <p:nvSpPr>
+          <p:cNvPr id="10" name="Объект 9">
+            <a:extLst>
+              <a:ext uri="{FF2B5EF4-FFF2-40B4-BE49-F238E27FC236}">
+                <a16:creationId xmlns:a16="http://schemas.microsoft.com/office/drawing/2014/main" id="{DD29C2E1-BBD3-4262-BD4C-5AC1D5BE4B85}"/>
+              </a:ext>
+            </a:extLst>
+          </p:cNvPr>
+          <p:cNvSpPr>
+            <a:spLocks noGrp="1"/>
+          </p:cNvSpPr>
+          <p:nvPr>
+            <p:ph idx="1"/>
+          </p:nvPr>
+        </p:nvSpPr>
+        <p:spPr/>
+        <p:txBody>
+          <a:bodyPr>
+            <a:normAutofit/>
+          </a:bodyPr>
+          <a:lstStyle/>
+          <a:p>
+            <a:pPr lvl="0"/>
+            <a:r>
+              <a:rPr lang="ru-RU" dirty="0">
+                <a:solidFill>
+                  <a:srgbClr val="FF0000"/>
+                </a:solidFill>
+              </a:rPr>
+              <a:t>Взять из отчета, когда будет готово полностью</a:t>
+            </a:r>
+          </a:p>
+        </p:txBody>
+      </p:sp>
+      <p:sp>
+        <p:nvSpPr>
+          <p:cNvPr id="3" name="Номер слайда 2">
+            <a:extLst>
+              <a:ext uri="{FF2B5EF4-FFF2-40B4-BE49-F238E27FC236}">
+                <a16:creationId xmlns:a16="http://schemas.microsoft.com/office/drawing/2014/main" id="{80F9D9E8-39BB-4602-A24D-6830A22B8F83}"/>
+              </a:ext>
+            </a:extLst>
+          </p:cNvPr>
+          <p:cNvSpPr>
+            <a:spLocks noGrp="1"/>
+          </p:cNvSpPr>
+          <p:nvPr>
+            <p:ph type="sldNum" sz="quarter" idx="12"/>
+          </p:nvPr>
+        </p:nvSpPr>
+        <p:spPr/>
+        <p:txBody>
+          <a:bodyPr/>
+          <a:lstStyle/>
+          <a:p>
+            <a:fld id="{617E17E3-83CB-4C93-A54B-1DA4FA6C581A}" type="slidenum">
+              <a:rPr lang="ru-RU" sz="2000" smtClean="0">
+                <a:solidFill>
+                  <a:schemeClr val="tx1"/>
+                </a:solidFill>
+              </a:rPr>
+              <a:t>13</a:t>
             </a:fld>
             <a:endParaRPr lang="ru-RU" sz="2000" dirty="0">
               <a:solidFill>
@@ -4718,6 +5165,17 @@
             </a:r>
           </a:p>
           <a:p>
+            <a:r>
+              <a:rPr lang="ru-RU" sz="3200" dirty="0"/>
+              <a:t>Графика в стиле </a:t>
+            </a:r>
+            <a:r>
+              <a:rPr lang="en-US" sz="3200" dirty="0"/>
+              <a:t>pixel art</a:t>
+            </a:r>
+            <a:endParaRPr lang="ru-RU" sz="3200" dirty="0"/>
+          </a:p>
+          <a:p>
             <a:pPr lvl="0"/>
             <a:r>
               <a:rPr lang="ru-RU" sz="3200" dirty="0"/>
@@ -4735,26 +5193,20 @@
             <a:pPr lvl="0"/>
             <a:r>
               <a:rPr lang="ru-RU" sz="3200" dirty="0"/>
-              <a:t>Графика в стиле </a:t>
-            </a:r>
-            <a:r>
-              <a:rPr lang="en-US" sz="3200" dirty="0"/>
-              <a:t>pixel art</a:t>
+              <a:t>Мини уровни</a:t>
+            </a:r>
+          </a:p>
+          <a:p>
+            <a:pPr lvl="0"/>
+            <a:r>
+              <a:rPr lang="ru-RU" sz="3200" dirty="0"/>
+              <a:t>Дополнительные </a:t>
+            </a:r>
+            <a:r>
+              <a:rPr lang="ru-RU" sz="3200" dirty="0" err="1"/>
+              <a:t>иснтрументы</a:t>
             </a:r>
             <a:endParaRPr lang="ru-RU" sz="3200" dirty="0"/>
-          </a:p>
-          <a:p>
-            <a:pPr lvl="0"/>
-            <a:r>
-              <a:rPr lang="ru-RU" sz="3200" dirty="0"/>
-              <a:t>Мини уровни</a:t>
-            </a:r>
-          </a:p>
-          <a:p>
-            <a:r>
-              <a:rPr lang="ru-RU" sz="3200" dirty="0"/>
-              <a:t>Две разные концовки</a:t>
-            </a:r>
           </a:p>
         </p:txBody>
       </p:sp>
@@ -5019,7 +5471,7 @@
         </p:blipFill>
         <p:spPr>
           <a:xfrm>
-            <a:off x="1340794" y="4225625"/>
+            <a:off x="8129596" y="824556"/>
             <a:ext cx="1476010" cy="2019803"/>
           </a:xfrm>
           <a:prstGeom prst="rect">
@@ -5055,7 +5507,7 @@
         </p:blipFill>
         <p:spPr>
           <a:xfrm>
-            <a:off x="8921175" y="1019245"/>
+            <a:off x="9832008" y="730062"/>
             <a:ext cx="1500090" cy="2052755"/>
           </a:xfrm>
           <a:prstGeom prst="rect">
@@ -5091,7 +5543,7 @@
         </p:blipFill>
         <p:spPr>
           <a:xfrm>
-            <a:off x="7412995" y="3535960"/>
+            <a:off x="7620385" y="3825548"/>
             <a:ext cx="3541906" cy="2361263"/>
           </a:xfrm>
           <a:prstGeom prst="rect">
@@ -5279,6 +5731,42 @@
           </a:p>
         </p:txBody>
       </p:sp>
+      <p:pic>
+        <p:nvPicPr>
+          <p:cNvPr id="7" name="Рисунок 6">
+            <a:extLst>
+              <a:ext uri="{FF2B5EF4-FFF2-40B4-BE49-F238E27FC236}">
+                <a16:creationId xmlns:a16="http://schemas.microsoft.com/office/drawing/2014/main" id="{C3CF27A9-19AC-4E8C-877D-AB5F53C51243}"/>
+              </a:ext>
+            </a:extLst>
+          </p:cNvPr>
+          <p:cNvPicPr>
+            <a:picLocks noChangeAspect="1"/>
+          </p:cNvPicPr>
+          <p:nvPr/>
+        </p:nvPicPr>
+        <p:blipFill>
+          <a:blip r:embed="rId9">
+            <a:extLst>
+              <a:ext uri="{28A0092B-C50C-407E-A947-70E740481C1C}">
+                <a14:useLocalDpi xmlns:a14="http://schemas.microsoft.com/office/drawing/2010/main" val="0"/>
+              </a:ext>
+            </a:extLst>
+          </a:blip>
+          <a:stretch>
+            <a:fillRect/>
+          </a:stretch>
+        </p:blipFill>
+        <p:spPr>
+          <a:xfrm>
+            <a:off x="-623778" y="4297474"/>
+            <a:ext cx="4722526" cy="2361263"/>
+          </a:xfrm>
+          <a:prstGeom prst="rect">
+            <a:avLst/>
+          </a:prstGeom>
+        </p:spPr>
+      </p:pic>
     </p:spTree>
     <p:extLst>
       <p:ext uri="{BB962C8B-B14F-4D97-AF65-F5344CB8AC3E}">
@@ -5335,7 +5823,7 @@
                                           </p:stCondLst>
                                         </p:cTn>
                                         <p:tgtEl>
-                                          <p:spTgt spid="4"/>
+                                          <p:spTgt spid="7"/>
                                         </p:tgtEl>
                                         <p:attrNameLst>
                                           <p:attrName>style.visibility</p:attrName>
@@ -5349,7 +5837,7 @@
                                       <p:cBhvr>
                                         <p:cTn id="7" dur="500"/>
                                         <p:tgtEl>
-                                          <p:spTgt spid="4"/>
+                                          <p:spTgt spid="7"/>
                                         </p:tgtEl>
                                       </p:cBhvr>
                                     </p:animEffect>
@@ -5409,6 +5897,41 @@
                                   </p:childTnLst>
                                 </p:cTn>
                               </p:par>
+                              <p:par>
+                                <p:cTn id="13" presetID="10" presetClass="entr" presetSubtype="0" fill="hold" nodeType="withEffect">
+                                  <p:stCondLst>
+                                    <p:cond delay="0"/>
+                                  </p:stCondLst>
+                                  <p:childTnLst>
+                                    <p:set>
+                                      <p:cBhvr>
+                                        <p:cTn id="14" dur="1" fill="hold">
+                                          <p:stCondLst>
+                                            <p:cond delay="0"/>
+                                          </p:stCondLst>
+                                        </p:cTn>
+                                        <p:tgtEl>
+                                          <p:spTgt spid="4"/>
+                                        </p:tgtEl>
+                                        <p:attrNameLst>
+                                          <p:attrName>style.visibility</p:attrName>
+                                        </p:attrNameLst>
+                                      </p:cBhvr>
+                                      <p:to>
+                                        <p:strVal val="visible"/>
+                                      </p:to>
+                                    </p:set>
+                                    <p:animEffect transition="in" filter="fade">
+                                      <p:cBhvr>
+                                        <p:cTn id="15" dur="500"/>
+                                        <p:tgtEl>
+                                          <p:spTgt spid="4"/>
+                                        </p:tgtEl>
+                                      </p:cBhvr>
+                                    </p:animEffect>
+                                  </p:childTnLst>
+                                </p:cTn>
+                              </p:par>
                             </p:childTnLst>
                           </p:cTn>
                         </p:par>
@@ -5416,26 +5939,26 @@
                     </p:cTn>
                   </p:par>
                   <p:par>
-                    <p:cTn id="13" fill="hold">
+                    <p:cTn id="16" fill="hold">
                       <p:stCondLst>
                         <p:cond delay="indefinite"/>
                       </p:stCondLst>
                       <p:childTnLst>
                         <p:par>
-                          <p:cTn id="14" fill="hold">
+                          <p:cTn id="17" fill="hold">
                             <p:stCondLst>
                               <p:cond delay="0"/>
                             </p:stCondLst>
                             <p:childTnLst>
                               <p:par>
-                                <p:cTn id="15" presetID="10" presetClass="entr" presetSubtype="0" fill="hold" nodeType="clickEffect">
+                                <p:cTn id="18" presetID="10" presetClass="entr" presetSubtype="0" fill="hold" nodeType="clickEffect">
                                   <p:stCondLst>
                                     <p:cond delay="0"/>
                                   </p:stCondLst>
                                   <p:childTnLst>
                                     <p:set>
                                       <p:cBhvr>
-                                        <p:cTn id="16" dur="1" fill="hold">
+                                        <p:cTn id="19" dur="1" fill="hold">
                                           <p:stCondLst>
                                             <p:cond delay="0"/>
                                           </p:stCondLst>
@@ -5453,44 +5976,9 @@
                                     </p:set>
                                     <p:animEffect transition="in" filter="fade">
                                       <p:cBhvr>
-                                        <p:cTn id="17" dur="500"/>
+                                        <p:cTn id="20" dur="500"/>
                                         <p:tgtEl>
                                           <p:spTgt spid="11"/>
-                                        </p:tgtEl>
-                                      </p:cBhvr>
-                                    </p:animEffect>
-                                  </p:childTnLst>
-                                </p:cTn>
-                              </p:par>
-                              <p:par>
-                                <p:cTn id="18" presetID="10" presetClass="entr" presetSubtype="0" fill="hold" nodeType="withEffect">
-                                  <p:stCondLst>
-                                    <p:cond delay="0"/>
-                                  </p:stCondLst>
-                                  <p:childTnLst>
-                                    <p:set>
-                                      <p:cBhvr>
-                                        <p:cTn id="19" dur="1" fill="hold">
-                                          <p:stCondLst>
-                                            <p:cond delay="0"/>
-                                          </p:stCondLst>
-                                        </p:cTn>
-                                        <p:tgtEl>
-                                          <p:spTgt spid="15"/>
-                                        </p:tgtEl>
-                                        <p:attrNameLst>
-                                          <p:attrName>style.visibility</p:attrName>
-                                        </p:attrNameLst>
-                                      </p:cBhvr>
-                                      <p:to>
-                                        <p:strVal val="visible"/>
-                                      </p:to>
-                                    </p:set>
-                                    <p:animEffect transition="in" filter="fade">
-                                      <p:cBhvr>
-                                        <p:cTn id="20" dur="500"/>
-                                        <p:tgtEl>
-                                          <p:spTgt spid="15"/>
                                         </p:tgtEl>
                                       </p:cBhvr>
                                     </p:animEffect>
@@ -5511,7 +5999,7 @@
                                           </p:stCondLst>
                                         </p:cTn>
                                         <p:tgtEl>
-                                          <p:spTgt spid="17"/>
+                                          <p:spTgt spid="15"/>
                                         </p:tgtEl>
                                         <p:attrNameLst>
                                           <p:attrName>style.visibility</p:attrName>
@@ -5525,7 +6013,7 @@
                                       <p:cBhvr>
                                         <p:cTn id="23" dur="500"/>
                                         <p:tgtEl>
-                                          <p:spTgt spid="17"/>
+                                          <p:spTgt spid="15"/>
                                         </p:tgtEl>
                                       </p:cBhvr>
                                     </p:animEffect>
@@ -5546,6 +6034,41 @@
                                           </p:stCondLst>
                                         </p:cTn>
                                         <p:tgtEl>
+                                          <p:spTgt spid="17"/>
+                                        </p:tgtEl>
+                                        <p:attrNameLst>
+                                          <p:attrName>style.visibility</p:attrName>
+                                        </p:attrNameLst>
+                                      </p:cBhvr>
+                                      <p:to>
+                                        <p:strVal val="visible"/>
+                                      </p:to>
+                                    </p:set>
+                                    <p:animEffect transition="in" filter="fade">
+                                      <p:cBhvr>
+                                        <p:cTn id="26" dur="500"/>
+                                        <p:tgtEl>
+                                          <p:spTgt spid="17"/>
+                                        </p:tgtEl>
+                                      </p:cBhvr>
+                                    </p:animEffect>
+                                  </p:childTnLst>
+                                </p:cTn>
+                              </p:par>
+                              <p:par>
+                                <p:cTn id="27" presetID="10" presetClass="entr" presetSubtype="0" fill="hold" nodeType="withEffect">
+                                  <p:stCondLst>
+                                    <p:cond delay="0"/>
+                                  </p:stCondLst>
+                                  <p:childTnLst>
+                                    <p:set>
+                                      <p:cBhvr>
+                                        <p:cTn id="28" dur="1" fill="hold">
+                                          <p:stCondLst>
+                                            <p:cond delay="0"/>
+                                          </p:stCondLst>
+                                        </p:cTn>
+                                        <p:tgtEl>
                                           <p:spTgt spid="13"/>
                                         </p:tgtEl>
                                         <p:attrNameLst>
@@ -5558,7 +6081,7 @@
                                     </p:set>
                                     <p:animEffect transition="in" filter="fade">
                                       <p:cBhvr>
-                                        <p:cTn id="26" dur="500"/>
+                                        <p:cTn id="29" dur="500"/>
                                         <p:tgtEl>
                                           <p:spTgt spid="13"/>
                                         </p:tgtEl>
@@ -5574,26 +6097,26 @@
                     </p:cTn>
                   </p:par>
                   <p:par>
-                    <p:cTn id="27" fill="hold">
+                    <p:cTn id="30" fill="hold">
                       <p:stCondLst>
                         <p:cond delay="indefinite"/>
                       </p:stCondLst>
                       <p:childTnLst>
                         <p:par>
-                          <p:cTn id="28" fill="hold">
+                          <p:cTn id="31" fill="hold">
                             <p:stCondLst>
                               <p:cond delay="0"/>
                             </p:stCondLst>
                             <p:childTnLst>
                               <p:par>
-                                <p:cTn id="29" presetID="10" presetClass="entr" presetSubtype="0" fill="hold" nodeType="clickEffect">
+                                <p:cTn id="32" presetID="10" presetClass="entr" presetSubtype="0" fill="hold" nodeType="clickEffect">
                                   <p:stCondLst>
                                     <p:cond delay="0"/>
                                   </p:stCondLst>
                                   <p:childTnLst>
                                     <p:set>
                                       <p:cBhvr>
-                                        <p:cTn id="30" dur="1" fill="hold">
+                                        <p:cTn id="33" dur="1" fill="hold">
                                           <p:stCondLst>
                                             <p:cond delay="0"/>
                                           </p:stCondLst>
@@ -5611,7 +6134,7 @@
                                     </p:set>
                                     <p:animEffect transition="in" filter="fade">
                                       <p:cBhvr>
-                                        <p:cTn id="31" dur="500"/>
+                                        <p:cTn id="34" dur="500"/>
                                         <p:tgtEl>
                                           <p:spTgt spid="8"/>
                                         </p:tgtEl>
@@ -5686,6 +6209,173 @@
         </p:nvSpPr>
         <p:spPr>
           <a:xfrm>
+            <a:off x="838200" y="500063"/>
+            <a:ext cx="10515600" cy="932812"/>
+          </a:xfrm>
+        </p:spPr>
+        <p:txBody>
+          <a:bodyPr>
+            <a:normAutofit/>
+          </a:bodyPr>
+          <a:lstStyle/>
+          <a:p>
+            <a:r>
+              <a:rPr lang="ru-RU" sz="6000" dirty="0"/>
+              <a:t>Генерация уровней</a:t>
+            </a:r>
+          </a:p>
+        </p:txBody>
+      </p:sp>
+      <p:sp>
+        <p:nvSpPr>
+          <p:cNvPr id="10" name="Объект 9">
+            <a:extLst>
+              <a:ext uri="{FF2B5EF4-FFF2-40B4-BE49-F238E27FC236}">
+                <a16:creationId xmlns:a16="http://schemas.microsoft.com/office/drawing/2014/main" id="{DD29C2E1-BBD3-4262-BD4C-5AC1D5BE4B85}"/>
+              </a:ext>
+            </a:extLst>
+          </p:cNvPr>
+          <p:cNvSpPr>
+            <a:spLocks noGrp="1"/>
+          </p:cNvSpPr>
+          <p:nvPr>
+            <p:ph idx="1"/>
+          </p:nvPr>
+        </p:nvSpPr>
+        <p:spPr>
+          <a:xfrm>
+            <a:off x="838200" y="2128787"/>
+            <a:ext cx="10515600" cy="3814813"/>
+          </a:xfrm>
+        </p:spPr>
+        <p:txBody>
+          <a:bodyPr>
+            <a:normAutofit/>
+          </a:bodyPr>
+          <a:lstStyle/>
+          <a:p>
+            <a:r>
+              <a:rPr lang="ru-RU" sz="3200" dirty="0"/>
+              <a:t>Размер карты мини-уровней (от 112 до 336 плиток, размер одной плитки 32х32 пикселя)</a:t>
+            </a:r>
+          </a:p>
+          <a:p>
+            <a:r>
+              <a:rPr lang="ru-RU" sz="3200" dirty="0"/>
+              <a:t>Расположение препятствий</a:t>
+            </a:r>
+          </a:p>
+          <a:p>
+            <a:r>
+              <a:rPr lang="ru-RU" sz="3200" dirty="0"/>
+              <a:t>Количество врагов (от 0 до 250) и их расположение</a:t>
+            </a:r>
+          </a:p>
+          <a:p>
+            <a:r>
+              <a:rPr lang="ru-RU" sz="3200" dirty="0"/>
+              <a:t>Количество аптечек и гранат (от 1 до 10) и их расположение</a:t>
+            </a:r>
+          </a:p>
+        </p:txBody>
+      </p:sp>
+      <p:sp>
+        <p:nvSpPr>
+          <p:cNvPr id="3" name="Номер слайда 2">
+            <a:extLst>
+              <a:ext uri="{FF2B5EF4-FFF2-40B4-BE49-F238E27FC236}">
+                <a16:creationId xmlns:a16="http://schemas.microsoft.com/office/drawing/2014/main" id="{30F96BAD-DD47-4E5D-991A-EAC21EF753F1}"/>
+              </a:ext>
+            </a:extLst>
+          </p:cNvPr>
+          <p:cNvSpPr>
+            <a:spLocks noGrp="1"/>
+          </p:cNvSpPr>
+          <p:nvPr>
+            <p:ph type="sldNum" sz="quarter" idx="12"/>
+          </p:nvPr>
+        </p:nvSpPr>
+        <p:spPr/>
+        <p:txBody>
+          <a:bodyPr/>
+          <a:lstStyle/>
+          <a:p>
+            <a:fld id="{617E17E3-83CB-4C93-A54B-1DA4FA6C581A}" type="slidenum">
+              <a:rPr lang="ru-RU" sz="2000" smtClean="0">
+                <a:solidFill>
+                  <a:schemeClr val="tx1"/>
+                </a:solidFill>
+              </a:rPr>
+              <a:t>5</a:t>
+            </a:fld>
+            <a:endParaRPr lang="ru-RU" sz="2000" dirty="0">
+              <a:solidFill>
+                <a:schemeClr val="tx1"/>
+              </a:solidFill>
+            </a:endParaRPr>
+          </a:p>
+        </p:txBody>
+      </p:sp>
+    </p:spTree>
+    <p:extLst>
+      <p:ext uri="{BB962C8B-B14F-4D97-AF65-F5344CB8AC3E}">
+        <p14:creationId xmlns:p14="http://schemas.microsoft.com/office/powerpoint/2010/main" val="4251611639"/>
+      </p:ext>
+    </p:extLst>
+  </p:cSld>
+  <p:clrMapOvr>
+    <a:masterClrMapping/>
+  </p:clrMapOvr>
+  <mc:AlternateContent xmlns:mc="http://schemas.openxmlformats.org/markup-compatibility/2006">
+    <mc:Choice xmlns:p14="http://schemas.microsoft.com/office/powerpoint/2010/main" Requires="p14">
+      <p:transition spd="med" p14:dur="700">
+        <p:fade/>
+      </p:transition>
+    </mc:Choice>
+    <mc:Fallback>
+      <p:transition spd="med">
+        <p:fade/>
+      </p:transition>
+    </mc:Fallback>
+  </mc:AlternateContent>
+</p:sld>
+</file>
+
+<file path=ppt/slides/slide6.xml><?xml version="1.0" encoding="utf-8"?>
+<p:sld xmlns:a="http://schemas.openxmlformats.org/drawingml/2006/main" xmlns:r="http://schemas.openxmlformats.org/officeDocument/2006/relationships" xmlns:p="http://schemas.openxmlformats.org/presentationml/2006/main">
+  <p:cSld>
+    <p:spTree>
+      <p:nvGrpSpPr>
+        <p:cNvPr id="1" name=""/>
+        <p:cNvGrpSpPr/>
+        <p:nvPr/>
+      </p:nvGrpSpPr>
+      <p:grpSpPr>
+        <a:xfrm>
+          <a:off x="0" y="0"/>
+          <a:ext cx="0" cy="0"/>
+          <a:chOff x="0" y="0"/>
+          <a:chExt cx="0" cy="0"/>
+        </a:xfrm>
+      </p:grpSpPr>
+      <p:sp>
+        <p:nvSpPr>
+          <p:cNvPr id="2" name="Заголовок 1">
+            <a:extLst>
+              <a:ext uri="{FF2B5EF4-FFF2-40B4-BE49-F238E27FC236}">
+                <a16:creationId xmlns:a16="http://schemas.microsoft.com/office/drawing/2014/main" id="{6C76CF55-73FC-47A3-B873-80D7CBEC1240}"/>
+              </a:ext>
+            </a:extLst>
+          </p:cNvPr>
+          <p:cNvSpPr>
+            <a:spLocks noGrp="1"/>
+          </p:cNvSpPr>
+          <p:nvPr>
+            <p:ph type="title"/>
+          </p:nvPr>
+        </p:nvSpPr>
+        <p:spPr>
+          <a:xfrm>
             <a:off x="838198" y="194952"/>
             <a:ext cx="10719063" cy="663051"/>
           </a:xfrm>
@@ -5698,8 +6388,13 @@
           <a:p>
             <a:r>
               <a:rPr lang="ru-RU" sz="4800" dirty="0"/>
-              <a:t>Анализ существующих методов решения</a:t>
-            </a:r>
+              <a:t>Примеры игр жанра </a:t>
+            </a:r>
+            <a:r>
+              <a:rPr lang="en-US" sz="4800" dirty="0"/>
+              <a:t>roguelike</a:t>
+            </a:r>
+            <a:endParaRPr lang="ru-RU" sz="4800" dirty="0"/>
           </a:p>
         </p:txBody>
       </p:sp>
@@ -5981,7 +6676,7 @@
                   <a:schemeClr val="tx1"/>
                 </a:solidFill>
               </a:rPr>
-              <a:t>5</a:t>
+              <a:t>6</a:t>
             </a:fld>
             <a:endParaRPr lang="ru-RU" sz="2000" dirty="0">
               <a:solidFill>
@@ -6323,7 +7018,7 @@
 </p:sld>
 </file>
 
-<file path=ppt/slides/slide6.xml><?xml version="1.0" encoding="utf-8"?>
+<file path=ppt/slides/slide7.xml><?xml version="1.0" encoding="utf-8"?>
 <p:sld xmlns:a="http://schemas.openxmlformats.org/drawingml/2006/main" xmlns:r="http://schemas.openxmlformats.org/officeDocument/2006/relationships" xmlns:p="http://schemas.openxmlformats.org/presentationml/2006/main">
   <p:cSld>
     <p:spTree>
@@ -6370,7 +7065,7 @@
           <a:p>
             <a:r>
               <a:rPr lang="ru-RU" sz="6000" dirty="0"/>
-              <a:t>Проект</a:t>
+              <a:t>Проектные решения</a:t>
             </a:r>
           </a:p>
         </p:txBody>
@@ -6424,12 +7119,49 @@
           </a:p>
         </p:txBody>
       </p:sp>
+      <p:sp>
+        <p:nvSpPr>
+          <p:cNvPr id="3" name="Номер слайда 2">
+            <a:extLst>
+              <a:ext uri="{FF2B5EF4-FFF2-40B4-BE49-F238E27FC236}">
+                <a16:creationId xmlns:a16="http://schemas.microsoft.com/office/drawing/2014/main" id="{30F96BAD-DD47-4E5D-991A-EAC21EF753F1}"/>
+              </a:ext>
+            </a:extLst>
+          </p:cNvPr>
+          <p:cNvSpPr>
+            <a:spLocks noGrp="1"/>
+          </p:cNvSpPr>
+          <p:nvPr>
+            <p:ph type="sldNum" sz="quarter" idx="12"/>
+          </p:nvPr>
+        </p:nvSpPr>
+        <p:spPr/>
+        <p:txBody>
+          <a:bodyPr/>
+          <a:lstStyle/>
+          <a:p>
+            <a:fld id="{617E17E3-83CB-4C93-A54B-1DA4FA6C581A}" type="slidenum">
+              <a:rPr lang="ru-RU" sz="2000" smtClean="0">
+                <a:solidFill>
+                  <a:schemeClr val="tx1"/>
+                </a:solidFill>
+              </a:rPr>
+              <a:t>7</a:t>
+            </a:fld>
+            <a:endParaRPr lang="ru-RU" sz="2000" dirty="0">
+              <a:solidFill>
+                <a:schemeClr val="tx1"/>
+              </a:solidFill>
+            </a:endParaRPr>
+          </a:p>
+        </p:txBody>
+      </p:sp>
       <p:pic>
         <p:nvPicPr>
-          <p:cNvPr id="4" name="Рисунок 3">
-            <a:extLst>
-              <a:ext uri="{FF2B5EF4-FFF2-40B4-BE49-F238E27FC236}">
-                <a16:creationId xmlns:a16="http://schemas.microsoft.com/office/drawing/2014/main" id="{A05A8FD9-4143-4967-A803-CC4576A33CF3}"/>
+          <p:cNvPr id="5" name="Рисунок 4">
+            <a:extLst>
+              <a:ext uri="{FF2B5EF4-FFF2-40B4-BE49-F238E27FC236}">
+                <a16:creationId xmlns:a16="http://schemas.microsoft.com/office/drawing/2014/main" id="{74D31C71-6D9F-4F1D-8356-910B232FEF95}"/>
               </a:ext>
             </a:extLst>
           </p:cNvPr>
@@ -6439,64 +7171,21 @@
           <p:nvPr/>
         </p:nvPicPr>
         <p:blipFill>
-          <a:blip r:embed="rId2">
-            <a:extLst>
-              <a:ext uri="{28A0092B-C50C-407E-A947-70E740481C1C}">
-                <a14:useLocalDpi xmlns:a14="http://schemas.microsoft.com/office/drawing/2010/main" val="0"/>
-              </a:ext>
-            </a:extLst>
-          </a:blip>
+          <a:blip r:embed="rId2"/>
           <a:stretch>
             <a:fillRect/>
           </a:stretch>
         </p:blipFill>
         <p:spPr>
           <a:xfrm>
-            <a:off x="3733015" y="861186"/>
-            <a:ext cx="7886590" cy="5369594"/>
+            <a:off x="3856080" y="1797444"/>
+            <a:ext cx="7630109" cy="4100391"/>
           </a:xfrm>
           <a:prstGeom prst="rect">
             <a:avLst/>
           </a:prstGeom>
         </p:spPr>
       </p:pic>
-      <p:sp>
-        <p:nvSpPr>
-          <p:cNvPr id="3" name="Номер слайда 2">
-            <a:extLst>
-              <a:ext uri="{FF2B5EF4-FFF2-40B4-BE49-F238E27FC236}">
-                <a16:creationId xmlns:a16="http://schemas.microsoft.com/office/drawing/2014/main" id="{30F96BAD-DD47-4E5D-991A-EAC21EF753F1}"/>
-              </a:ext>
-            </a:extLst>
-          </p:cNvPr>
-          <p:cNvSpPr>
-            <a:spLocks noGrp="1"/>
-          </p:cNvSpPr>
-          <p:nvPr>
-            <p:ph type="sldNum" sz="quarter" idx="12"/>
-          </p:nvPr>
-        </p:nvSpPr>
-        <p:spPr/>
-        <p:txBody>
-          <a:bodyPr/>
-          <a:lstStyle/>
-          <a:p>
-            <a:fld id="{617E17E3-83CB-4C93-A54B-1DA4FA6C581A}" type="slidenum">
-              <a:rPr lang="ru-RU" sz="2000" smtClean="0">
-                <a:solidFill>
-                  <a:schemeClr val="tx1"/>
-                </a:solidFill>
-              </a:rPr>
-              <a:t>6</a:t>
-            </a:fld>
-            <a:endParaRPr lang="ru-RU" sz="2000" dirty="0">
-              <a:solidFill>
-                <a:schemeClr val="tx1"/>
-              </a:solidFill>
-            </a:endParaRPr>
-          </a:p>
-        </p:txBody>
-      </p:sp>
     </p:spTree>
     <p:extLst>
       <p:ext uri="{BB962C8B-B14F-4D97-AF65-F5344CB8AC3E}">
@@ -6519,93 +7208,10 @@
       </p:transition>
     </mc:Fallback>
   </mc:AlternateContent>
-  <p:timing>
-    <p:tnLst>
-      <p:par>
-        <p:cTn id="1" dur="indefinite" restart="never" nodeType="tmRoot">
-          <p:childTnLst>
-            <p:seq concurrent="1" nextAc="seek">
-              <p:cTn id="2" dur="indefinite" nodeType="mainSeq">
-                <p:childTnLst>
-                  <p:par>
-                    <p:cTn id="3" fill="hold">
-                      <p:stCondLst>
-                        <p:cond delay="indefinite"/>
-                      </p:stCondLst>
-                      <p:childTnLst>
-                        <p:par>
-                          <p:cTn id="4" fill="hold">
-                            <p:stCondLst>
-                              <p:cond delay="0"/>
-                            </p:stCondLst>
-                            <p:childTnLst>
-                              <p:par>
-                                <p:cTn id="5" presetID="10" presetClass="entr" presetSubtype="0" fill="hold" nodeType="clickEffect">
-                                  <p:stCondLst>
-                                    <p:cond delay="0"/>
-                                  </p:stCondLst>
-                                  <p:childTnLst>
-                                    <p:set>
-                                      <p:cBhvr>
-                                        <p:cTn id="6" dur="1" fill="hold">
-                                          <p:stCondLst>
-                                            <p:cond delay="0"/>
-                                          </p:stCondLst>
-                                        </p:cTn>
-                                        <p:tgtEl>
-                                          <p:spTgt spid="4"/>
-                                        </p:tgtEl>
-                                        <p:attrNameLst>
-                                          <p:attrName>style.visibility</p:attrName>
-                                        </p:attrNameLst>
-                                      </p:cBhvr>
-                                      <p:to>
-                                        <p:strVal val="visible"/>
-                                      </p:to>
-                                    </p:set>
-                                    <p:animEffect transition="in" filter="fade">
-                                      <p:cBhvr>
-                                        <p:cTn id="7" dur="500"/>
-                                        <p:tgtEl>
-                                          <p:spTgt spid="4"/>
-                                        </p:tgtEl>
-                                      </p:cBhvr>
-                                    </p:animEffect>
-                                  </p:childTnLst>
-                                </p:cTn>
-                              </p:par>
-                            </p:childTnLst>
-                          </p:cTn>
-                        </p:par>
-                      </p:childTnLst>
-                    </p:cTn>
-                  </p:par>
-                </p:childTnLst>
-              </p:cTn>
-              <p:prevCondLst>
-                <p:cond evt="onPrev" delay="0">
-                  <p:tgtEl>
-                    <p:sldTgt/>
-                  </p:tgtEl>
-                </p:cond>
-              </p:prevCondLst>
-              <p:nextCondLst>
-                <p:cond evt="onNext" delay="0">
-                  <p:tgtEl>
-                    <p:sldTgt/>
-                  </p:tgtEl>
-                </p:cond>
-              </p:nextCondLst>
-            </p:seq>
-          </p:childTnLst>
-        </p:cTn>
-      </p:par>
-    </p:tnLst>
-  </p:timing>
 </p:sld>
 </file>
 
-<file path=ppt/slides/slide7.xml><?xml version="1.0" encoding="utf-8"?>
+<file path=ppt/slides/slide8.xml><?xml version="1.0" encoding="utf-8"?>
 <p:sld xmlns:a="http://schemas.openxmlformats.org/drawingml/2006/main" xmlns:r="http://schemas.openxmlformats.org/officeDocument/2006/relationships" xmlns:p="http://schemas.openxmlformats.org/presentationml/2006/main">
   <p:cSld>
     <p:spTree>
@@ -6652,7 +7258,7 @@
           <a:p>
             <a:r>
               <a:rPr lang="ru-RU" sz="6000" dirty="0"/>
-              <a:t>Сценарий и правила игры</a:t>
+              <a:t>Диаграмма состояний</a:t>
             </a:r>
           </a:p>
         </p:txBody>
@@ -6684,7 +7290,7 @@
                   <a:schemeClr val="tx1"/>
                 </a:solidFill>
               </a:rPr>
-              <a:t>7</a:t>
+              <a:t>8</a:t>
             </a:fld>
             <a:endParaRPr lang="ru-RU" sz="2000" dirty="0">
               <a:solidFill>
@@ -6696,10 +7302,10 @@
       </p:sp>
       <p:pic>
         <p:nvPicPr>
-          <p:cNvPr id="7" name="Рисунок 6">
-            <a:extLst>
-              <a:ext uri="{FF2B5EF4-FFF2-40B4-BE49-F238E27FC236}">
-                <a16:creationId xmlns:a16="http://schemas.microsoft.com/office/drawing/2014/main" id="{BF9F7411-9147-4FB5-B040-BE8DE63F5450}"/>
+          <p:cNvPr id="6" name="Рисунок 5">
+            <a:extLst>
+              <a:ext uri="{FF2B5EF4-FFF2-40B4-BE49-F238E27FC236}">
+                <a16:creationId xmlns:a16="http://schemas.microsoft.com/office/drawing/2014/main" id="{130D4776-6C9E-4B6D-A9E7-DEB0D8F2BECF}"/>
               </a:ext>
             </a:extLst>
           </p:cNvPr>
@@ -6708,7 +7314,7 @@
           </p:cNvPicPr>
           <p:nvPr/>
         </p:nvPicPr>
-        <p:blipFill rotWithShape="1">
+        <p:blipFill>
           <a:blip r:embed="rId2">
             <a:extLst>
               <a:ext uri="{28A0092B-C50C-407E-A947-70E740481C1C}">
@@ -6716,13 +7322,14 @@
               </a:ext>
             </a:extLst>
           </a:blip>
-          <a:srcRect t="-3" r="4620" b="19549"/>
-          <a:stretch/>
+          <a:stretch>
+            <a:fillRect/>
+          </a:stretch>
         </p:blipFill>
         <p:spPr>
           <a:xfrm>
-            <a:off x="5740738" y="3552725"/>
-            <a:ext cx="6084000" cy="2700000"/>
+            <a:off x="950929" y="1071473"/>
+            <a:ext cx="9836717" cy="5467439"/>
           </a:xfrm>
           <a:prstGeom prst="rect">
             <a:avLst/>
@@ -6758,9 +7365,44 @@
         </p:blipFill>
         <p:spPr>
           <a:xfrm>
-            <a:off x="74573" y="1189416"/>
-            <a:ext cx="5794715" cy="3410081"/>
+            <a:off x="197121" y="1005068"/>
+            <a:ext cx="6256240" cy="3681680"/>
           </a:xfrm>
+        </p:spPr>
+      </p:pic>
+      <p:pic>
+        <p:nvPicPr>
+          <p:cNvPr id="7" name="Рисунок 6">
+            <a:extLst>
+              <a:ext uri="{FF2B5EF4-FFF2-40B4-BE49-F238E27FC236}">
+                <a16:creationId xmlns:a16="http://schemas.microsoft.com/office/drawing/2014/main" id="{BF9F7411-9147-4FB5-B040-BE8DE63F5450}"/>
+              </a:ext>
+            </a:extLst>
+          </p:cNvPr>
+          <p:cNvPicPr>
+            <a:picLocks noChangeAspect="1"/>
+          </p:cNvPicPr>
+          <p:nvPr/>
+        </p:nvPicPr>
+        <p:blipFill rotWithShape="1">
+          <a:blip r:embed="rId4">
+            <a:extLst>
+              <a:ext uri="{28A0092B-C50C-407E-A947-70E740481C1C}">
+                <a14:useLocalDpi xmlns:a14="http://schemas.microsoft.com/office/drawing/2010/main" val="0"/>
+              </a:ext>
+            </a:extLst>
+          </a:blip>
+          <a:srcRect t="-3" r="4620" b="19549"/>
+          <a:stretch/>
+        </p:blipFill>
+        <p:spPr>
+          <a:xfrm>
+            <a:off x="4374037" y="2845908"/>
+            <a:ext cx="7498821" cy="3327879"/>
+          </a:xfrm>
+          <a:prstGeom prst="rect">
+            <a:avLst/>
+          </a:prstGeom>
         </p:spPr>
       </p:pic>
     </p:spTree>
@@ -6819,7 +7461,7 @@
                                           </p:stCondLst>
                                         </p:cTn>
                                         <p:tgtEl>
-                                          <p:spTgt spid="7"/>
+                                          <p:spTgt spid="6"/>
                                         </p:tgtEl>
                                         <p:attrNameLst>
                                           <p:attrName>style.visibility</p:attrName>
@@ -6833,7 +7475,7 @@
                                       <p:cBhvr>
                                         <p:cTn id="7" dur="500"/>
                                         <p:tgtEl>
-                                          <p:spTgt spid="7"/>
+                                          <p:spTgt spid="6"/>
                                         </p:tgtEl>
                                       </p:cBhvr>
                                     </p:animEffect>
@@ -6899,6 +7541,59 @@
                       </p:childTnLst>
                     </p:cTn>
                   </p:par>
+                  <p:par>
+                    <p:cTn id="13" fill="hold">
+                      <p:stCondLst>
+                        <p:cond delay="indefinite"/>
+                      </p:stCondLst>
+                      <p:childTnLst>
+                        <p:par>
+                          <p:cTn id="14" fill="hold">
+                            <p:stCondLst>
+                              <p:cond delay="0"/>
+                            </p:stCondLst>
+                            <p:childTnLst>
+                              <p:par>
+                                <p:cTn id="15" presetID="10" presetClass="entr" presetSubtype="0" fill="hold" nodeType="clickEffect">
+                                  <p:stCondLst>
+                                    <p:cond delay="0"/>
+                                  </p:stCondLst>
+                                  <p:childTnLst>
+                                    <p:set>
+                                      <p:cBhvr>
+                                        <p:cTn id="16" dur="1" fill="hold">
+                                          <p:stCondLst>
+                                            <p:cond delay="0"/>
+                                          </p:stCondLst>
+                                        </p:cTn>
+                                        <p:tgtEl>
+                                          <p:spTgt spid="7"/>
+                                        </p:tgtEl>
+                                        <p:attrNameLst>
+                                          <p:attrName>style.visibility</p:attrName>
+                                        </p:attrNameLst>
+                                      </p:cBhvr>
+                                      <p:to>
+                                        <p:strVal val="visible"/>
+                                      </p:to>
+                                    </p:set>
+                                    <p:animEffect transition="in" filter="fade">
+                                      <p:cBhvr>
+                                        <p:cTn id="17" dur="500"/>
+                                        <p:tgtEl>
+                                          <p:spTgt spid="7"/>
+                                        </p:tgtEl>
+                                      </p:cBhvr>
+                                    </p:animEffect>
+                                  </p:childTnLst>
+                                </p:cTn>
+                              </p:par>
+                            </p:childTnLst>
+                          </p:cTn>
+                        </p:par>
+                      </p:childTnLst>
+                    </p:cTn>
+                  </p:par>
                 </p:childTnLst>
               </p:cTn>
               <p:prevCondLst>
@@ -6924,154 +7619,6 @@
 </p:sld>
 </file>
 
-<file path=ppt/slides/slide8.xml><?xml version="1.0" encoding="utf-8"?>
-<p:sld xmlns:a="http://schemas.openxmlformats.org/drawingml/2006/main" xmlns:r="http://schemas.openxmlformats.org/officeDocument/2006/relationships" xmlns:p="http://schemas.openxmlformats.org/presentationml/2006/main">
-  <p:cSld>
-    <p:spTree>
-      <p:nvGrpSpPr>
-        <p:cNvPr id="1" name=""/>
-        <p:cNvGrpSpPr/>
-        <p:nvPr/>
-      </p:nvGrpSpPr>
-      <p:grpSpPr>
-        <a:xfrm>
-          <a:off x="0" y="0"/>
-          <a:ext cx="0" cy="0"/>
-          <a:chOff x="0" y="0"/>
-          <a:chExt cx="0" cy="0"/>
-        </a:xfrm>
-      </p:grpSpPr>
-      <p:sp>
-        <p:nvSpPr>
-          <p:cNvPr id="2" name="Заголовок 1">
-            <a:extLst>
-              <a:ext uri="{FF2B5EF4-FFF2-40B4-BE49-F238E27FC236}">
-                <a16:creationId xmlns:a16="http://schemas.microsoft.com/office/drawing/2014/main" id="{6C76CF55-73FC-47A3-B873-80D7CBEC1240}"/>
-              </a:ext>
-            </a:extLst>
-          </p:cNvPr>
-          <p:cNvSpPr>
-            <a:spLocks noGrp="1"/>
-          </p:cNvSpPr>
-          <p:nvPr>
-            <p:ph type="title"/>
-          </p:nvPr>
-        </p:nvSpPr>
-        <p:spPr>
-          <a:xfrm>
-            <a:off x="838200" y="500062"/>
-            <a:ext cx="10515600" cy="1325563"/>
-          </a:xfrm>
-        </p:spPr>
-        <p:txBody>
-          <a:bodyPr>
-            <a:normAutofit/>
-          </a:bodyPr>
-          <a:lstStyle/>
-          <a:p>
-            <a:r>
-              <a:rPr lang="ru-RU" sz="6000" dirty="0"/>
-              <a:t>Реализация и тестирование</a:t>
-            </a:r>
-          </a:p>
-        </p:txBody>
-      </p:sp>
-      <p:sp>
-        <p:nvSpPr>
-          <p:cNvPr id="10" name="Объект 9">
-            <a:extLst>
-              <a:ext uri="{FF2B5EF4-FFF2-40B4-BE49-F238E27FC236}">
-                <a16:creationId xmlns:a16="http://schemas.microsoft.com/office/drawing/2014/main" id="{DD29C2E1-BBD3-4262-BD4C-5AC1D5BE4B85}"/>
-              </a:ext>
-            </a:extLst>
-          </p:cNvPr>
-          <p:cNvSpPr>
-            <a:spLocks noGrp="1"/>
-          </p:cNvSpPr>
-          <p:nvPr>
-            <p:ph idx="1"/>
-          </p:nvPr>
-        </p:nvSpPr>
-        <p:spPr/>
-        <p:txBody>
-          <a:bodyPr>
-            <a:normAutofit/>
-          </a:bodyPr>
-          <a:lstStyle/>
-          <a:p>
-            <a:r>
-              <a:rPr lang="ru-RU" sz="3200" dirty="0">
-                <a:solidFill>
-                  <a:srgbClr val="FF0000"/>
-                </a:solidFill>
-              </a:rPr>
-              <a:t>Взять из отчета, когда будет</a:t>
-            </a:r>
-          </a:p>
-        </p:txBody>
-      </p:sp>
-      <p:sp>
-        <p:nvSpPr>
-          <p:cNvPr id="3" name="Номер слайда 2">
-            <a:extLst>
-              <a:ext uri="{FF2B5EF4-FFF2-40B4-BE49-F238E27FC236}">
-                <a16:creationId xmlns:a16="http://schemas.microsoft.com/office/drawing/2014/main" id="{4F4D0B9F-DFAF-4C5F-84FC-76487543802F}"/>
-              </a:ext>
-            </a:extLst>
-          </p:cNvPr>
-          <p:cNvSpPr>
-            <a:spLocks noGrp="1"/>
-          </p:cNvSpPr>
-          <p:nvPr>
-            <p:ph type="sldNum" sz="quarter" idx="12"/>
-          </p:nvPr>
-        </p:nvSpPr>
-        <p:spPr/>
-        <p:txBody>
-          <a:bodyPr/>
-          <a:lstStyle/>
-          <a:p>
-            <a:fld id="{617E17E3-83CB-4C93-A54B-1DA4FA6C581A}" type="slidenum">
-              <a:rPr lang="ru-RU" sz="2000" smtClean="0">
-                <a:solidFill>
-                  <a:schemeClr val="tx1"/>
-                </a:solidFill>
-              </a:rPr>
-              <a:t>8</a:t>
-            </a:fld>
-            <a:endParaRPr lang="ru-RU" sz="2000" dirty="0">
-              <a:solidFill>
-                <a:schemeClr val="tx1"/>
-              </a:solidFill>
-            </a:endParaRPr>
-          </a:p>
-        </p:txBody>
-      </p:sp>
-    </p:spTree>
-    <p:extLst>
-      <p:ext uri="{BB962C8B-B14F-4D97-AF65-F5344CB8AC3E}">
-        <p14:creationId xmlns:p14="http://schemas.microsoft.com/office/powerpoint/2010/main" val="197529683"/>
-      </p:ext>
-    </p:extLst>
-  </p:cSld>
-  <p:clrMapOvr>
-    <a:masterClrMapping/>
-  </p:clrMapOvr>
-  <mc:AlternateContent xmlns:mc="http://schemas.openxmlformats.org/markup-compatibility/2006" xmlns:p14="http://schemas.microsoft.com/office/powerpoint/2010/main">
-    <mc:Choice Requires="p14">
-      <p:transition spd="med" p14:dur="700">
-        <p:fade/>
-      </p:transition>
-    </mc:Choice>
-    <mc:Fallback xmlns="">
-      <p:transition spd="med">
-        <p:fade/>
-      </p:transition>
-    </mc:Fallback>
-  </mc:AlternateContent>
-</p:sld>
-</file>
-
 <file path=ppt/slides/slide9.xml><?xml version="1.0" encoding="utf-8"?>
 <p:sld xmlns:a="http://schemas.openxmlformats.org/drawingml/2006/main" xmlns:r="http://schemas.openxmlformats.org/officeDocument/2006/relationships" xmlns:p="http://schemas.openxmlformats.org/presentationml/2006/main">
   <p:cSld>
@@ -7107,8 +7654,8 @@
         </p:nvSpPr>
         <p:spPr>
           <a:xfrm>
-            <a:off x="838200" y="500062"/>
-            <a:ext cx="10515600" cy="1325563"/>
+            <a:off x="838200" y="136525"/>
+            <a:ext cx="10515600" cy="951665"/>
           </a:xfrm>
         </p:spPr>
         <p:txBody>
@@ -7119,41 +7666,7 @@
           <a:p>
             <a:r>
               <a:rPr lang="ru-RU" sz="6000" dirty="0"/>
-              <a:t>Статистика</a:t>
-            </a:r>
-          </a:p>
-        </p:txBody>
-      </p:sp>
-      <p:sp>
-        <p:nvSpPr>
-          <p:cNvPr id="10" name="Объект 9">
-            <a:extLst>
-              <a:ext uri="{FF2B5EF4-FFF2-40B4-BE49-F238E27FC236}">
-                <a16:creationId xmlns:a16="http://schemas.microsoft.com/office/drawing/2014/main" id="{DD29C2E1-BBD3-4262-BD4C-5AC1D5BE4B85}"/>
-              </a:ext>
-            </a:extLst>
-          </p:cNvPr>
-          <p:cNvSpPr>
-            <a:spLocks noGrp="1"/>
-          </p:cNvSpPr>
-          <p:nvPr>
-            <p:ph idx="1"/>
-          </p:nvPr>
-        </p:nvSpPr>
-        <p:spPr/>
-        <p:txBody>
-          <a:bodyPr>
-            <a:normAutofit/>
-          </a:bodyPr>
-          <a:lstStyle/>
-          <a:p>
-            <a:r>
-              <a:rPr lang="ru-RU" sz="3200" dirty="0">
-                <a:solidFill>
-                  <a:srgbClr val="FF0000"/>
-                </a:solidFill>
-              </a:rPr>
-              <a:t>Взять из отчета, когда будет</a:t>
+              <a:t>Правила игры</a:t>
             </a:r>
           </a:p>
         </p:txBody>
@@ -7163,7 +7676,7 @@
           <p:cNvPr id="3" name="Номер слайда 2">
             <a:extLst>
               <a:ext uri="{FF2B5EF4-FFF2-40B4-BE49-F238E27FC236}">
-                <a16:creationId xmlns:a16="http://schemas.microsoft.com/office/drawing/2014/main" id="{6CD65B95-1098-4BCD-B08E-ACE1CA3C4EED}"/>
+                <a16:creationId xmlns:a16="http://schemas.microsoft.com/office/drawing/2014/main" id="{D63EFF71-0631-4986-86A6-5D444808E577}"/>
               </a:ext>
             </a:extLst>
           </p:cNvPr>
@@ -7195,23 +7708,74 @@
           </a:p>
         </p:txBody>
       </p:sp>
+      <p:sp>
+        <p:nvSpPr>
+          <p:cNvPr id="6" name="Объект 5">
+            <a:extLst>
+              <a:ext uri="{FF2B5EF4-FFF2-40B4-BE49-F238E27FC236}">
+                <a16:creationId xmlns:a16="http://schemas.microsoft.com/office/drawing/2014/main" id="{2673CC09-1268-4F47-894F-F1ED0F693ED9}"/>
+              </a:ext>
+            </a:extLst>
+          </p:cNvPr>
+          <p:cNvSpPr>
+            <a:spLocks noGrp="1"/>
+          </p:cNvSpPr>
+          <p:nvPr>
+            <p:ph idx="1"/>
+          </p:nvPr>
+        </p:nvSpPr>
+        <p:spPr/>
+        <p:txBody>
+          <a:bodyPr>
+            <a:normAutofit/>
+          </a:bodyPr>
+          <a:lstStyle/>
+          <a:p>
+            <a:pPr lvl="0"/>
+            <a:r>
+              <a:rPr lang="ru-RU" sz="3200" dirty="0"/>
+              <a:t>При запуске игры, игрок сразу начинает новую игру</a:t>
+            </a:r>
+          </a:p>
+          <a:p>
+            <a:pPr lvl="0"/>
+            <a:r>
+              <a:rPr lang="ru-RU" sz="3200" dirty="0"/>
+              <a:t>Сложность игры увеличивается при переходе на новый уровень</a:t>
+            </a:r>
+          </a:p>
+          <a:p>
+            <a:pPr lvl="0"/>
+            <a:r>
+              <a:rPr lang="ru-RU" sz="3200" dirty="0"/>
+              <a:t>Каждый раз после смерти игрок будет заново начинать игру. Выход из игры также считается смертью</a:t>
+            </a:r>
+          </a:p>
+          <a:p>
+            <a:r>
+              <a:rPr lang="ru-RU" sz="3200" dirty="0"/>
+              <a:t>Концом игры считается прохождение всех уровней</a:t>
+            </a:r>
+          </a:p>
+        </p:txBody>
+      </p:sp>
     </p:spTree>
     <p:extLst>
       <p:ext uri="{BB962C8B-B14F-4D97-AF65-F5344CB8AC3E}">
-        <p14:creationId xmlns:p14="http://schemas.microsoft.com/office/powerpoint/2010/main" val="1386088205"/>
+        <p14:creationId xmlns:p14="http://schemas.microsoft.com/office/powerpoint/2010/main" val="3775467225"/>
       </p:ext>
     </p:extLst>
   </p:cSld>
   <p:clrMapOvr>
     <a:masterClrMapping/>
   </p:clrMapOvr>
-  <mc:AlternateContent xmlns:mc="http://schemas.openxmlformats.org/markup-compatibility/2006" xmlns:p14="http://schemas.microsoft.com/office/powerpoint/2010/main">
-    <mc:Choice Requires="p14">
+  <mc:AlternateContent xmlns:mc="http://schemas.openxmlformats.org/markup-compatibility/2006">
+    <mc:Choice xmlns:p14="http://schemas.microsoft.com/office/powerpoint/2010/main" Requires="p14">
       <p:transition spd="med" p14:dur="700">
         <p:fade/>
       </p:transition>
     </mc:Choice>
-    <mc:Fallback xmlns="">
+    <mc:Fallback>
       <p:transition spd="med">
         <p:fade/>
       </p:transition>

--- a/Б9121-09.03.03пикд_команда_4_презентация.pptx
+++ b/Б9121-09.03.03пикд_команда_4_презентация.pptx
@@ -5,7 +5,7 @@
     <p:sldMasterId id="2147483768" r:id="rId1"/>
   </p:sldMasterIdLst>
   <p:notesMasterIdLst>
-    <p:notesMasterId r:id="rId15"/>
+    <p:notesMasterId r:id="rId13"/>
   </p:notesMasterIdLst>
   <p:sldIdLst>
     <p:sldId id="256" r:id="rId2"/>
@@ -18,9 +18,7 @@
     <p:sldId id="264" r:id="rId9"/>
     <p:sldId id="266" r:id="rId10"/>
     <p:sldId id="265" r:id="rId11"/>
-    <p:sldId id="268" r:id="rId12"/>
-    <p:sldId id="259" r:id="rId13"/>
-    <p:sldId id="260" r:id="rId14"/>
+    <p:sldId id="260" r:id="rId12"/>
   </p:sldIdLst>
   <p:sldSz cx="12192000" cy="6858000"/>
   <p:notesSz cx="6858000" cy="9144000"/>
@@ -209,7 +207,7 @@
           <a:p>
             <a:fld id="{9C5E11E0-DFA4-450F-80BE-DDF44D8DC475}" type="datetimeFigureOut">
               <a:rPr lang="ru-RU" smtClean="0"/>
-              <a:t>10.06.2023</a:t>
+              <a:t>14.06.2023</a:t>
             </a:fld>
             <a:endParaRPr lang="ru-RU"/>
           </a:p>
@@ -623,7 +621,7 @@
           <a:p>
             <a:fld id="{E819CFBF-8CE3-4AA8-AD99-5BCE60342EA7}" type="datetime1">
               <a:rPr lang="ru-RU" smtClean="0"/>
-              <a:t>10.06.2023</a:t>
+              <a:t>14.06.2023</a:t>
             </a:fld>
             <a:endParaRPr lang="ru-RU"/>
           </a:p>
@@ -833,7 +831,7 @@
           <a:p>
             <a:fld id="{0966B474-481C-4E0E-88B5-37BB142B885E}" type="datetime1">
               <a:rPr lang="ru-RU" smtClean="0"/>
-              <a:t>10.06.2023</a:t>
+              <a:t>14.06.2023</a:t>
             </a:fld>
             <a:endParaRPr lang="ru-RU"/>
           </a:p>
@@ -1053,7 +1051,7 @@
           <a:p>
             <a:fld id="{9966CE39-5D76-4A8E-A3C6-CADB42755F60}" type="datetime1">
               <a:rPr lang="ru-RU" smtClean="0"/>
-              <a:t>10.06.2023</a:t>
+              <a:t>14.06.2023</a:t>
             </a:fld>
             <a:endParaRPr lang="ru-RU"/>
           </a:p>
@@ -1263,7 +1261,7 @@
           <a:p>
             <a:fld id="{0BD56000-D87D-48AD-9A92-A13D91EBC971}" type="datetime1">
               <a:rPr lang="ru-RU" smtClean="0"/>
-              <a:t>10.06.2023</a:t>
+              <a:t>14.06.2023</a:t>
             </a:fld>
             <a:endParaRPr lang="ru-RU"/>
           </a:p>
@@ -1550,7 +1548,7 @@
           <a:p>
             <a:fld id="{E74E79F0-F642-4E74-9603-DE4AAB9406F9}" type="datetime1">
               <a:rPr lang="ru-RU" smtClean="0"/>
-              <a:t>10.06.2023</a:t>
+              <a:t>14.06.2023</a:t>
             </a:fld>
             <a:endParaRPr lang="ru-RU"/>
           </a:p>
@@ -1827,7 +1825,7 @@
           <a:p>
             <a:fld id="{AFC458F2-0520-4C2A-8F80-5FCB25AE93F4}" type="datetime1">
               <a:rPr lang="ru-RU" smtClean="0"/>
-              <a:t>10.06.2023</a:t>
+              <a:t>14.06.2023</a:t>
             </a:fld>
             <a:endParaRPr lang="ru-RU"/>
           </a:p>
@@ -2251,7 +2249,7 @@
           <a:p>
             <a:fld id="{47C4413D-BF3D-4E7E-B114-DEA13E1EED23}" type="datetime1">
               <a:rPr lang="ru-RU" smtClean="0"/>
-              <a:t>10.06.2023</a:t>
+              <a:t>14.06.2023</a:t>
             </a:fld>
             <a:endParaRPr lang="ru-RU"/>
           </a:p>
@@ -2404,7 +2402,7 @@
           <a:p>
             <a:fld id="{547E7117-5870-4E0B-99C0-00A628C1971B}" type="datetime1">
               <a:rPr lang="ru-RU" smtClean="0"/>
-              <a:t>10.06.2023</a:t>
+              <a:t>14.06.2023</a:t>
             </a:fld>
             <a:endParaRPr lang="ru-RU"/>
           </a:p>
@@ -2529,7 +2527,7 @@
           <a:p>
             <a:fld id="{EBFC51C5-DA0B-4263-B2AD-ADD646FEB631}" type="datetime1">
               <a:rPr lang="ru-RU" smtClean="0"/>
-              <a:t>10.06.2023</a:t>
+              <a:t>14.06.2023</a:t>
             </a:fld>
             <a:endParaRPr lang="ru-RU"/>
           </a:p>
@@ -2852,7 +2850,7 @@
           <a:p>
             <a:fld id="{C26E5D4E-8186-4081-A393-83583D0FE156}" type="datetime1">
               <a:rPr lang="ru-RU" smtClean="0"/>
-              <a:t>10.06.2023</a:t>
+              <a:t>14.06.2023</a:t>
             </a:fld>
             <a:endParaRPr lang="ru-RU"/>
           </a:p>
@@ -3152,7 +3150,7 @@
           <a:p>
             <a:fld id="{F7F1D360-B0F8-4712-905F-74A86F5A3C84}" type="datetime1">
               <a:rPr lang="ru-RU" smtClean="0"/>
-              <a:t>10.06.2023</a:t>
+              <a:t>14.06.2023</a:t>
             </a:fld>
             <a:endParaRPr lang="ru-RU"/>
           </a:p>
@@ -3415,7 +3413,7 @@
           <a:p>
             <a:fld id="{68139BC1-BE4A-43EC-9312-06BEFABBDB45}" type="datetime1">
               <a:rPr lang="ru-RU" smtClean="0"/>
-              <a:t>10.06.2023</a:t>
+              <a:t>14.06.2023</a:t>
             </a:fld>
             <a:endParaRPr lang="ru-RU"/>
           </a:p>
@@ -4128,13 +4126,42 @@
           </a:bodyPr>
           <a:lstStyle/>
           <a:p>
-            <a:r>
-              <a:rPr lang="ru-RU" sz="3200" dirty="0">
-                <a:solidFill>
-                  <a:srgbClr val="FF0000"/>
-                </a:solidFill>
-              </a:rPr>
-              <a:t>Взять из отчета, когда будет</a:t>
+            <a:pPr lvl="0"/>
+            <a:r>
+              <a:rPr lang="en-US" sz="3200" dirty="0"/>
+              <a:t>~ </a:t>
+            </a:r>
+            <a:r>
+              <a:rPr lang="ru-RU" sz="3200" dirty="0"/>
+              <a:t>1400 строк кода</a:t>
+            </a:r>
+          </a:p>
+          <a:p>
+            <a:pPr lvl="0"/>
+            <a:r>
+              <a:rPr lang="ru-RU" sz="3200" dirty="0"/>
+              <a:t>~ 40 спрайтов</a:t>
+            </a:r>
+          </a:p>
+          <a:p>
+            <a:pPr lvl="0"/>
+            <a:r>
+              <a:rPr lang="ru-RU" sz="3200" dirty="0"/>
+              <a:t>2 локации</a:t>
+            </a:r>
+          </a:p>
+          <a:p>
+            <a:pPr lvl="0"/>
+            <a:r>
+              <a:rPr lang="ru-RU" sz="3200" dirty="0"/>
+              <a:t>Меню и интерфейс</a:t>
+            </a:r>
+          </a:p>
+          <a:p>
+            <a:pPr lvl="0"/>
+            <a:r>
+              <a:rPr lang="ru-RU" sz="3200" dirty="0"/>
+              <a:t>~ 80 коммитов</a:t>
             </a:r>
           </a:p>
         </p:txBody>
@@ -4248,7 +4275,7 @@
           <a:p>
             <a:r>
               <a:rPr lang="ru-RU" sz="6000" dirty="0"/>
-              <a:t>Алгоритм генерации</a:t>
+              <a:t>Заключение</a:t>
             </a:r>
           </a:p>
         </p:txBody>
@@ -4276,13 +4303,61 @@
           </a:bodyPr>
           <a:lstStyle/>
           <a:p>
-            <a:r>
-              <a:rPr lang="ru-RU" sz="3200" dirty="0">
-                <a:solidFill>
-                  <a:srgbClr val="FF0000"/>
-                </a:solidFill>
-              </a:rPr>
-              <a:t>Взять из отчета, когда будет</a:t>
+            <a:pPr marL="0" indent="0">
+              <a:buNone/>
+            </a:pPr>
+            <a:r>
+              <a:rPr lang="ru-RU" sz="3200" dirty="0"/>
+              <a:t>В результате разработки было создано:</a:t>
+            </a:r>
+          </a:p>
+          <a:p>
+            <a:pPr lvl="0"/>
+            <a:r>
+              <a:rPr lang="ru-RU" sz="3200" dirty="0"/>
+              <a:t>2</a:t>
+            </a:r>
+            <a:r>
+              <a:rPr lang="en-US" sz="3200" dirty="0"/>
+              <a:t>D </a:t>
+            </a:r>
+            <a:r>
+              <a:rPr lang="ru-RU" sz="3200" dirty="0"/>
+              <a:t>игра «</a:t>
+            </a:r>
+            <a:r>
+              <a:rPr lang="en-US" sz="3200" dirty="0"/>
+              <a:t>Respiration</a:t>
+            </a:r>
+            <a:r>
+              <a:rPr lang="ru-RU" sz="3200" dirty="0"/>
+              <a:t>» с видом сверху в жанре </a:t>
+            </a:r>
+            <a:r>
+              <a:rPr lang="ru-RU" sz="3200" dirty="0" err="1"/>
+              <a:t>roguelike</a:t>
+            </a:r>
+            <a:endParaRPr lang="ru-RU" sz="3200" dirty="0"/>
+          </a:p>
+          <a:p>
+            <a:pPr lvl="0"/>
+            <a:r>
+              <a:rPr lang="ru-RU" sz="3200" dirty="0"/>
+              <a:t>Генерация уровней</a:t>
+            </a:r>
+          </a:p>
+          <a:p>
+            <a:pPr lvl="0"/>
+            <a:r>
+              <a:rPr lang="ru-RU" sz="3200" dirty="0"/>
+              <a:t>Спрайты персонажей, фона, предметов, оружия</a:t>
+            </a:r>
+          </a:p>
+          <a:p>
+            <a:pPr lvl="0"/>
+            <a:r>
+              <a:rPr lang="ru-RU" sz="3200" dirty="0"/>
+              <a:t>Переход между уровнями со сменой угла обзора</a:t>
             </a:r>
           </a:p>
         </p:txBody>
@@ -4292,7 +4367,7 @@
           <p:cNvPr id="3" name="Номер слайда 2">
             <a:extLst>
               <a:ext uri="{FF2B5EF4-FFF2-40B4-BE49-F238E27FC236}">
-                <a16:creationId xmlns:a16="http://schemas.microsoft.com/office/drawing/2014/main" id="{4F4D0B9F-DFAF-4C5F-84FC-76487543802F}"/>
+                <a16:creationId xmlns:a16="http://schemas.microsoft.com/office/drawing/2014/main" id="{80F9D9E8-39BB-4602-A24D-6830A22B8F83}"/>
               </a:ext>
             </a:extLst>
           </p:cNvPr>
@@ -4315,303 +4390,6 @@
                 </a:solidFill>
               </a:rPr>
               <a:t>11</a:t>
-            </a:fld>
-            <a:endParaRPr lang="ru-RU" sz="2000" dirty="0">
-              <a:solidFill>
-                <a:schemeClr val="tx1"/>
-              </a:solidFill>
-            </a:endParaRPr>
-          </a:p>
-        </p:txBody>
-      </p:sp>
-    </p:spTree>
-    <p:extLst>
-      <p:ext uri="{BB962C8B-B14F-4D97-AF65-F5344CB8AC3E}">
-        <p14:creationId xmlns:p14="http://schemas.microsoft.com/office/powerpoint/2010/main" val="1103075350"/>
-      </p:ext>
-    </p:extLst>
-  </p:cSld>
-  <p:clrMapOvr>
-    <a:masterClrMapping/>
-  </p:clrMapOvr>
-  <mc:AlternateContent xmlns:mc="http://schemas.openxmlformats.org/markup-compatibility/2006">
-    <mc:Choice xmlns:p14="http://schemas.microsoft.com/office/powerpoint/2010/main" Requires="p14">
-      <p:transition spd="med" p14:dur="700">
-        <p:fade/>
-      </p:transition>
-    </mc:Choice>
-    <mc:Fallback>
-      <p:transition spd="med">
-        <p:fade/>
-      </p:transition>
-    </mc:Fallback>
-  </mc:AlternateContent>
-</p:sld>
-</file>
-
-<file path=ppt/slides/slide12.xml><?xml version="1.0" encoding="utf-8"?>
-<p:sld xmlns:a="http://schemas.openxmlformats.org/drawingml/2006/main" xmlns:r="http://schemas.openxmlformats.org/officeDocument/2006/relationships" xmlns:p="http://schemas.openxmlformats.org/presentationml/2006/main">
-  <p:cSld>
-    <p:spTree>
-      <p:nvGrpSpPr>
-        <p:cNvPr id="1" name=""/>
-        <p:cNvGrpSpPr/>
-        <p:nvPr/>
-      </p:nvGrpSpPr>
-      <p:grpSpPr>
-        <a:xfrm>
-          <a:off x="0" y="0"/>
-          <a:ext cx="0" cy="0"/>
-          <a:chOff x="0" y="0"/>
-          <a:chExt cx="0" cy="0"/>
-        </a:xfrm>
-      </p:grpSpPr>
-      <p:sp>
-        <p:nvSpPr>
-          <p:cNvPr id="2" name="Заголовок 1">
-            <a:extLst>
-              <a:ext uri="{FF2B5EF4-FFF2-40B4-BE49-F238E27FC236}">
-                <a16:creationId xmlns:a16="http://schemas.microsoft.com/office/drawing/2014/main" id="{6C76CF55-73FC-47A3-B873-80D7CBEC1240}"/>
-              </a:ext>
-            </a:extLst>
-          </p:cNvPr>
-          <p:cNvSpPr>
-            <a:spLocks noGrp="1"/>
-          </p:cNvSpPr>
-          <p:nvPr>
-            <p:ph type="title"/>
-          </p:nvPr>
-        </p:nvSpPr>
-        <p:spPr>
-          <a:xfrm>
-            <a:off x="838200" y="500062"/>
-            <a:ext cx="10515600" cy="1325563"/>
-          </a:xfrm>
-        </p:spPr>
-        <p:txBody>
-          <a:bodyPr>
-            <a:normAutofit/>
-          </a:bodyPr>
-          <a:lstStyle/>
-          <a:p>
-            <a:r>
-              <a:rPr lang="ru-RU" sz="6000" dirty="0"/>
-              <a:t>Статистика</a:t>
-            </a:r>
-          </a:p>
-        </p:txBody>
-      </p:sp>
-      <p:sp>
-        <p:nvSpPr>
-          <p:cNvPr id="10" name="Объект 9">
-            <a:extLst>
-              <a:ext uri="{FF2B5EF4-FFF2-40B4-BE49-F238E27FC236}">
-                <a16:creationId xmlns:a16="http://schemas.microsoft.com/office/drawing/2014/main" id="{DD29C2E1-BBD3-4262-BD4C-5AC1D5BE4B85}"/>
-              </a:ext>
-            </a:extLst>
-          </p:cNvPr>
-          <p:cNvSpPr>
-            <a:spLocks noGrp="1"/>
-          </p:cNvSpPr>
-          <p:nvPr>
-            <p:ph idx="1"/>
-          </p:nvPr>
-        </p:nvSpPr>
-        <p:spPr/>
-        <p:txBody>
-          <a:bodyPr>
-            <a:normAutofit/>
-          </a:bodyPr>
-          <a:lstStyle/>
-          <a:p>
-            <a:r>
-              <a:rPr lang="ru-RU" sz="3200" dirty="0">
-                <a:solidFill>
-                  <a:srgbClr val="FF0000"/>
-                </a:solidFill>
-              </a:rPr>
-              <a:t>Взять из отчета, когда будет</a:t>
-            </a:r>
-          </a:p>
-        </p:txBody>
-      </p:sp>
-      <p:sp>
-        <p:nvSpPr>
-          <p:cNvPr id="3" name="Номер слайда 2">
-            <a:extLst>
-              <a:ext uri="{FF2B5EF4-FFF2-40B4-BE49-F238E27FC236}">
-                <a16:creationId xmlns:a16="http://schemas.microsoft.com/office/drawing/2014/main" id="{6CD65B95-1098-4BCD-B08E-ACE1CA3C4EED}"/>
-              </a:ext>
-            </a:extLst>
-          </p:cNvPr>
-          <p:cNvSpPr>
-            <a:spLocks noGrp="1"/>
-          </p:cNvSpPr>
-          <p:nvPr>
-            <p:ph type="sldNum" sz="quarter" idx="12"/>
-          </p:nvPr>
-        </p:nvSpPr>
-        <p:spPr/>
-        <p:txBody>
-          <a:bodyPr/>
-          <a:lstStyle/>
-          <a:p>
-            <a:fld id="{617E17E3-83CB-4C93-A54B-1DA4FA6C581A}" type="slidenum">
-              <a:rPr lang="ru-RU" sz="2000" smtClean="0">
-                <a:solidFill>
-                  <a:schemeClr val="tx1"/>
-                </a:solidFill>
-              </a:rPr>
-              <a:t>12</a:t>
-            </a:fld>
-            <a:endParaRPr lang="ru-RU" sz="2000" dirty="0">
-              <a:solidFill>
-                <a:schemeClr val="tx1"/>
-              </a:solidFill>
-            </a:endParaRPr>
-          </a:p>
-        </p:txBody>
-      </p:sp>
-    </p:spTree>
-    <p:extLst>
-      <p:ext uri="{BB962C8B-B14F-4D97-AF65-F5344CB8AC3E}">
-        <p14:creationId xmlns:p14="http://schemas.microsoft.com/office/powerpoint/2010/main" val="1386088205"/>
-      </p:ext>
-    </p:extLst>
-  </p:cSld>
-  <p:clrMapOvr>
-    <a:masterClrMapping/>
-  </p:clrMapOvr>
-  <mc:AlternateContent xmlns:mc="http://schemas.openxmlformats.org/markup-compatibility/2006" xmlns:p14="http://schemas.microsoft.com/office/powerpoint/2010/main">
-    <mc:Choice Requires="p14">
-      <p:transition spd="med" p14:dur="700">
-        <p:fade/>
-      </p:transition>
-    </mc:Choice>
-    <mc:Fallback xmlns="">
-      <p:transition spd="med">
-        <p:fade/>
-      </p:transition>
-    </mc:Fallback>
-  </mc:AlternateContent>
-</p:sld>
-</file>
-
-<file path=ppt/slides/slide13.xml><?xml version="1.0" encoding="utf-8"?>
-<p:sld xmlns:a="http://schemas.openxmlformats.org/drawingml/2006/main" xmlns:r="http://schemas.openxmlformats.org/officeDocument/2006/relationships" xmlns:p="http://schemas.openxmlformats.org/presentationml/2006/main">
-  <p:cSld>
-    <p:spTree>
-      <p:nvGrpSpPr>
-        <p:cNvPr id="1" name=""/>
-        <p:cNvGrpSpPr/>
-        <p:nvPr/>
-      </p:nvGrpSpPr>
-      <p:grpSpPr>
-        <a:xfrm>
-          <a:off x="0" y="0"/>
-          <a:ext cx="0" cy="0"/>
-          <a:chOff x="0" y="0"/>
-          <a:chExt cx="0" cy="0"/>
-        </a:xfrm>
-      </p:grpSpPr>
-      <p:sp>
-        <p:nvSpPr>
-          <p:cNvPr id="2" name="Заголовок 1">
-            <a:extLst>
-              <a:ext uri="{FF2B5EF4-FFF2-40B4-BE49-F238E27FC236}">
-                <a16:creationId xmlns:a16="http://schemas.microsoft.com/office/drawing/2014/main" id="{6C76CF55-73FC-47A3-B873-80D7CBEC1240}"/>
-              </a:ext>
-            </a:extLst>
-          </p:cNvPr>
-          <p:cNvSpPr>
-            <a:spLocks noGrp="1"/>
-          </p:cNvSpPr>
-          <p:nvPr>
-            <p:ph type="title"/>
-          </p:nvPr>
-        </p:nvSpPr>
-        <p:spPr>
-          <a:xfrm>
-            <a:off x="838200" y="500062"/>
-            <a:ext cx="10515600" cy="1325563"/>
-          </a:xfrm>
-        </p:spPr>
-        <p:txBody>
-          <a:bodyPr>
-            <a:normAutofit/>
-          </a:bodyPr>
-          <a:lstStyle/>
-          <a:p>
-            <a:r>
-              <a:rPr lang="ru-RU" sz="6000" dirty="0"/>
-              <a:t>Заключение</a:t>
-            </a:r>
-          </a:p>
-        </p:txBody>
-      </p:sp>
-      <p:sp>
-        <p:nvSpPr>
-          <p:cNvPr id="10" name="Объект 9">
-            <a:extLst>
-              <a:ext uri="{FF2B5EF4-FFF2-40B4-BE49-F238E27FC236}">
-                <a16:creationId xmlns:a16="http://schemas.microsoft.com/office/drawing/2014/main" id="{DD29C2E1-BBD3-4262-BD4C-5AC1D5BE4B85}"/>
-              </a:ext>
-            </a:extLst>
-          </p:cNvPr>
-          <p:cNvSpPr>
-            <a:spLocks noGrp="1"/>
-          </p:cNvSpPr>
-          <p:nvPr>
-            <p:ph idx="1"/>
-          </p:nvPr>
-        </p:nvSpPr>
-        <p:spPr/>
-        <p:txBody>
-          <a:bodyPr>
-            <a:normAutofit/>
-          </a:bodyPr>
-          <a:lstStyle/>
-          <a:p>
-            <a:pPr lvl="0"/>
-            <a:r>
-              <a:rPr lang="ru-RU" dirty="0">
-                <a:solidFill>
-                  <a:srgbClr val="FF0000"/>
-                </a:solidFill>
-              </a:rPr>
-              <a:t>Взять из отчета, когда будет готово полностью</a:t>
-            </a:r>
-          </a:p>
-        </p:txBody>
-      </p:sp>
-      <p:sp>
-        <p:nvSpPr>
-          <p:cNvPr id="3" name="Номер слайда 2">
-            <a:extLst>
-              <a:ext uri="{FF2B5EF4-FFF2-40B4-BE49-F238E27FC236}">
-                <a16:creationId xmlns:a16="http://schemas.microsoft.com/office/drawing/2014/main" id="{80F9D9E8-39BB-4602-A24D-6830A22B8F83}"/>
-              </a:ext>
-            </a:extLst>
-          </p:cNvPr>
-          <p:cNvSpPr>
-            <a:spLocks noGrp="1"/>
-          </p:cNvSpPr>
-          <p:nvPr>
-            <p:ph type="sldNum" sz="quarter" idx="12"/>
-          </p:nvPr>
-        </p:nvSpPr>
-        <p:spPr/>
-        <p:txBody>
-          <a:bodyPr/>
-          <a:lstStyle/>
-          <a:p>
-            <a:fld id="{617E17E3-83CB-4C93-A54B-1DA4FA6C581A}" type="slidenum">
-              <a:rPr lang="ru-RU" sz="2000" smtClean="0">
-                <a:solidFill>
-                  <a:schemeClr val="tx1"/>
-                </a:solidFill>
-              </a:rPr>
-              <a:t>13</a:t>
             </a:fld>
             <a:endParaRPr lang="ru-RU" sz="2000" dirty="0">
               <a:solidFill>
@@ -5130,7 +4908,7 @@
         <p:spPr>
           <a:xfrm>
             <a:off x="838200" y="1825624"/>
-            <a:ext cx="5939672" cy="4532313"/>
+            <a:ext cx="6134100" cy="4532313"/>
           </a:xfrm>
         </p:spPr>
         <p:txBody>
@@ -5149,19 +4927,21 @@
             </a:r>
             <a:r>
               <a:rPr lang="ru-RU" sz="3200" dirty="0"/>
-              <a:t> игра</a:t>
+              <a:t> игра с видом сверху</a:t>
             </a:r>
           </a:p>
           <a:p>
             <a:r>
               <a:rPr lang="ru-RU" sz="3200" dirty="0"/>
-              <a:t>Вид сверху</a:t>
-            </a:r>
-          </a:p>
-          <a:p>
+              <a:t>Жанр </a:t>
+            </a:r>
+            <a:r>
+              <a:rPr lang="ru-RU" sz="3200" dirty="0" err="1"/>
+              <a:t>roguelike</a:t>
+            </a:r>
             <a:r>
               <a:rPr lang="ru-RU" sz="3200" dirty="0"/>
-              <a:t>Жанр «рогалик»</a:t>
+              <a:t> </a:t>
             </a:r>
           </a:p>
           <a:p>
@@ -5193,20 +4973,15 @@
             <a:pPr lvl="0"/>
             <a:r>
               <a:rPr lang="ru-RU" sz="3200" dirty="0"/>
-              <a:t>Мини уровни</a:t>
+              <a:t>Механика перемещения между локациями со сменой точки угла обзора</a:t>
             </a:r>
           </a:p>
           <a:p>
             <a:pPr lvl="0"/>
             <a:r>
               <a:rPr lang="ru-RU" sz="3200" dirty="0"/>
-              <a:t>Дополнительные </a:t>
-            </a:r>
-            <a:r>
-              <a:rPr lang="ru-RU" sz="3200" dirty="0" err="1"/>
-              <a:t>иснтрументы</a:t>
-            </a:r>
-            <a:endParaRPr lang="ru-RU" sz="3200" dirty="0"/>
+              <a:t>Дополнительные инструменты</a:t>
+            </a:r>
           </a:p>
         </p:txBody>
       </p:sp>
@@ -5579,8 +5354,8 @@
         </p:blipFill>
         <p:spPr>
           <a:xfrm>
-            <a:off x="4574514" y="1483967"/>
-            <a:ext cx="1360392" cy="1360392"/>
+            <a:off x="4749162" y="1652139"/>
+            <a:ext cx="1668821" cy="1668821"/>
           </a:xfrm>
           <a:prstGeom prst="rect">
             <a:avLst/>
@@ -5615,7 +5390,7 @@
         </p:blipFill>
         <p:spPr>
           <a:xfrm>
-            <a:off x="3928036" y="3507979"/>
+            <a:off x="5565179" y="3276621"/>
             <a:ext cx="1578990" cy="1578990"/>
           </a:xfrm>
           <a:prstGeom prst="rect">
@@ -5651,43 +5426,8 @@
         </p:blipFill>
         <p:spPr>
           <a:xfrm>
-            <a:off x="2379824" y="1613964"/>
-            <a:ext cx="2337707" cy="2337707"/>
-          </a:xfrm>
-          <a:prstGeom prst="rect">
-            <a:avLst/>
-          </a:prstGeom>
-        </p:spPr>
-      </p:pic>
-      <p:pic>
-        <p:nvPicPr>
-          <p:cNvPr id="17" name="Рисунок 16">
-            <a:extLst>
-              <a:ext uri="{FF2B5EF4-FFF2-40B4-BE49-F238E27FC236}">
-                <a16:creationId xmlns:a16="http://schemas.microsoft.com/office/drawing/2014/main" id="{6573B4C7-43E8-4891-A85B-6C55C465B4BE}"/>
-              </a:ext>
-            </a:extLst>
-          </p:cNvPr>
-          <p:cNvPicPr>
-            <a:picLocks noChangeAspect="1"/>
-          </p:cNvPicPr>
-          <p:nvPr/>
-        </p:nvPicPr>
-        <p:blipFill>
-          <a:blip r:embed="rId8">
-            <a:extLst>
-              <a:ext uri="{28A0092B-C50C-407E-A947-70E740481C1C}">
-                <a14:useLocalDpi xmlns:a14="http://schemas.microsoft.com/office/drawing/2010/main" val="0"/>
-              </a:ext>
-            </a:extLst>
-          </a:blip>
-          <a:srcRect/>
-          <a:stretch/>
-        </p:blipFill>
-        <p:spPr>
-          <a:xfrm>
-            <a:off x="5505114" y="2555797"/>
-            <a:ext cx="1741677" cy="1741677"/>
+            <a:off x="2608522" y="2052317"/>
+            <a:ext cx="2480441" cy="2480441"/>
           </a:xfrm>
           <a:prstGeom prst="rect">
             <a:avLst/>
@@ -5746,7 +5486,7 @@
           <p:nvPr/>
         </p:nvPicPr>
         <p:blipFill>
-          <a:blip r:embed="rId9">
+          <a:blip r:embed="rId8">
             <a:extLst>
               <a:ext uri="{28A0092B-C50C-407E-A947-70E740481C1C}">
                 <a14:useLocalDpi xmlns:a14="http://schemas.microsoft.com/office/drawing/2010/main" val="0"/>
@@ -6034,7 +5774,7 @@
                                           </p:stCondLst>
                                         </p:cTn>
                                         <p:tgtEl>
-                                          <p:spTgt spid="17"/>
+                                          <p:spTgt spid="13"/>
                                         </p:tgtEl>
                                         <p:attrNameLst>
                                           <p:attrName>style.visibility</p:attrName>
@@ -6047,41 +5787,6 @@
                                     <p:animEffect transition="in" filter="fade">
                                       <p:cBhvr>
                                         <p:cTn id="26" dur="500"/>
-                                        <p:tgtEl>
-                                          <p:spTgt spid="17"/>
-                                        </p:tgtEl>
-                                      </p:cBhvr>
-                                    </p:animEffect>
-                                  </p:childTnLst>
-                                </p:cTn>
-                              </p:par>
-                              <p:par>
-                                <p:cTn id="27" presetID="10" presetClass="entr" presetSubtype="0" fill="hold" nodeType="withEffect">
-                                  <p:stCondLst>
-                                    <p:cond delay="0"/>
-                                  </p:stCondLst>
-                                  <p:childTnLst>
-                                    <p:set>
-                                      <p:cBhvr>
-                                        <p:cTn id="28" dur="1" fill="hold">
-                                          <p:stCondLst>
-                                            <p:cond delay="0"/>
-                                          </p:stCondLst>
-                                        </p:cTn>
-                                        <p:tgtEl>
-                                          <p:spTgt spid="13"/>
-                                        </p:tgtEl>
-                                        <p:attrNameLst>
-                                          <p:attrName>style.visibility</p:attrName>
-                                        </p:attrNameLst>
-                                      </p:cBhvr>
-                                      <p:to>
-                                        <p:strVal val="visible"/>
-                                      </p:to>
-                                    </p:set>
-                                    <p:animEffect transition="in" filter="fade">
-                                      <p:cBhvr>
-                                        <p:cTn id="29" dur="500"/>
                                         <p:tgtEl>
                                           <p:spTgt spid="13"/>
                                         </p:tgtEl>
@@ -6097,26 +5802,26 @@
                     </p:cTn>
                   </p:par>
                   <p:par>
-                    <p:cTn id="30" fill="hold">
+                    <p:cTn id="27" fill="hold">
                       <p:stCondLst>
                         <p:cond delay="indefinite"/>
                       </p:stCondLst>
                       <p:childTnLst>
                         <p:par>
-                          <p:cTn id="31" fill="hold">
+                          <p:cTn id="28" fill="hold">
                             <p:stCondLst>
                               <p:cond delay="0"/>
                             </p:stCondLst>
                             <p:childTnLst>
                               <p:par>
-                                <p:cTn id="32" presetID="10" presetClass="entr" presetSubtype="0" fill="hold" nodeType="clickEffect">
+                                <p:cTn id="29" presetID="10" presetClass="entr" presetSubtype="0" fill="hold" nodeType="clickEffect">
                                   <p:stCondLst>
                                     <p:cond delay="0"/>
                                   </p:stCondLst>
                                   <p:childTnLst>
                                     <p:set>
                                       <p:cBhvr>
-                                        <p:cTn id="33" dur="1" fill="hold">
+                                        <p:cTn id="30" dur="1" fill="hold">
                                           <p:stCondLst>
                                             <p:cond delay="0"/>
                                           </p:stCondLst>
@@ -6134,7 +5839,7 @@
                                     </p:set>
                                     <p:animEffect transition="in" filter="fade">
                                       <p:cBhvr>
-                                        <p:cTn id="34" dur="500"/>
+                                        <p:cTn id="31" dur="500"/>
                                         <p:tgtEl>
                                           <p:spTgt spid="8"/>
                                         </p:tgtEl>
@@ -6210,7 +5915,7 @@
         <p:spPr>
           <a:xfrm>
             <a:off x="838200" y="500063"/>
-            <a:ext cx="10515600" cy="932812"/>
+            <a:ext cx="10515600" cy="1215974"/>
           </a:xfrm>
         </p:spPr>
         <p:txBody>
@@ -6269,12 +5974,6 @@
             <a:r>
               <a:rPr lang="ru-RU" sz="3200" dirty="0"/>
               <a:t>Количество врагов (от 0 до 250) и их расположение</a:t>
-            </a:r>
-          </a:p>
-          <a:p>
-            <a:r>
-              <a:rPr lang="ru-RU" sz="3200" dirty="0"/>
-              <a:t>Количество аптечек и гранат (от 1 до 10) и их расположение</a:t>
             </a:r>
           </a:p>
         </p:txBody>
@@ -6326,13 +6025,13 @@
   <p:clrMapOvr>
     <a:masterClrMapping/>
   </p:clrMapOvr>
-  <mc:AlternateContent xmlns:mc="http://schemas.openxmlformats.org/markup-compatibility/2006">
-    <mc:Choice xmlns:p14="http://schemas.microsoft.com/office/powerpoint/2010/main" Requires="p14">
+  <mc:AlternateContent xmlns:mc="http://schemas.openxmlformats.org/markup-compatibility/2006" xmlns:p14="http://schemas.microsoft.com/office/powerpoint/2010/main">
+    <mc:Choice Requires="p14">
       <p:transition spd="med" p14:dur="700">
         <p:fade/>
       </p:transition>
     </mc:Choice>
-    <mc:Fallback>
+    <mc:Fallback xmlns="">
       <p:transition spd="med">
         <p:fade/>
       </p:transition>
@@ -6376,7 +6075,7 @@
         </p:nvSpPr>
         <p:spPr>
           <a:xfrm>
-            <a:off x="838198" y="194952"/>
+            <a:off x="286648" y="195124"/>
             <a:ext cx="10719063" cy="663051"/>
           </a:xfrm>
         </p:spPr>
@@ -7054,7 +6753,7 @@
         <p:spPr>
           <a:xfrm>
             <a:off x="838200" y="500063"/>
-            <a:ext cx="10515600" cy="932812"/>
+            <a:ext cx="10515600" cy="1247094"/>
           </a:xfrm>
         </p:spPr>
         <p:txBody>
@@ -7158,10 +6857,10 @@
       </p:sp>
       <p:pic>
         <p:nvPicPr>
-          <p:cNvPr id="5" name="Рисунок 4">
-            <a:extLst>
-              <a:ext uri="{FF2B5EF4-FFF2-40B4-BE49-F238E27FC236}">
-                <a16:creationId xmlns:a16="http://schemas.microsoft.com/office/drawing/2014/main" id="{74D31C71-6D9F-4F1D-8356-910B232FEF95}"/>
+          <p:cNvPr id="6" name="Рисунок 5">
+            <a:extLst>
+              <a:ext uri="{FF2B5EF4-FFF2-40B4-BE49-F238E27FC236}">
+                <a16:creationId xmlns:a16="http://schemas.microsoft.com/office/drawing/2014/main" id="{28FE5A7D-8F37-4A69-9B04-2E21F337325A}"/>
               </a:ext>
             </a:extLst>
           </p:cNvPr>
@@ -7171,15 +6870,21 @@
           <p:nvPr/>
         </p:nvPicPr>
         <p:blipFill>
-          <a:blip r:embed="rId2"/>
+          <a:blip r:embed="rId2">
+            <a:extLst>
+              <a:ext uri="{28A0092B-C50C-407E-A947-70E740481C1C}">
+                <a14:useLocalDpi xmlns:a14="http://schemas.microsoft.com/office/drawing/2010/main" val="0"/>
+              </a:ext>
+            </a:extLst>
+          </a:blip>
           <a:stretch>
             <a:fillRect/>
           </a:stretch>
         </p:blipFill>
         <p:spPr>
           <a:xfrm>
-            <a:off x="3856080" y="1797444"/>
-            <a:ext cx="7630109" cy="4100391"/>
+            <a:off x="3807156" y="1608282"/>
+            <a:ext cx="7869230" cy="4572660"/>
           </a:xfrm>
           <a:prstGeom prst="rect">
             <a:avLst/>
@@ -7654,8 +7359,8 @@
         </p:nvSpPr>
         <p:spPr>
           <a:xfrm>
-            <a:off x="838200" y="136525"/>
-            <a:ext cx="10515600" cy="951665"/>
+            <a:off x="838200" y="136524"/>
+            <a:ext cx="10515600" cy="1969861"/>
           </a:xfrm>
         </p:spPr>
         <p:txBody>
@@ -7754,7 +7459,7 @@
           <a:p>
             <a:r>
               <a:rPr lang="ru-RU" sz="3200" dirty="0"/>
-              <a:t>Концом игры считается прохождение всех уровней</a:t>
+              <a:t>Игра не имеет конца, уровни могут генерироваться бесконечно.</a:t>
             </a:r>
           </a:p>
         </p:txBody>
@@ -7769,13 +7474,13 @@
   <p:clrMapOvr>
     <a:masterClrMapping/>
   </p:clrMapOvr>
-  <mc:AlternateContent xmlns:mc="http://schemas.openxmlformats.org/markup-compatibility/2006">
-    <mc:Choice xmlns:p14="http://schemas.microsoft.com/office/powerpoint/2010/main" Requires="p14">
+  <mc:AlternateContent xmlns:mc="http://schemas.openxmlformats.org/markup-compatibility/2006" xmlns:p14="http://schemas.microsoft.com/office/powerpoint/2010/main">
+    <mc:Choice Requires="p14">
       <p:transition spd="med" p14:dur="700">
         <p:fade/>
       </p:transition>
     </mc:Choice>
-    <mc:Fallback>
+    <mc:Fallback xmlns="">
       <p:transition spd="med">
         <p:fade/>
       </p:transition>

--- a/Б9121-09.03.03пикд_команда_4_презентация.pptx
+++ b/Б9121-09.03.03пикд_команда_4_презентация.pptx
@@ -5961,7 +5961,7 @@
           <a:p>
             <a:r>
               <a:rPr lang="ru-RU" sz="3200" dirty="0"/>
-              <a:t>Размер карты мини-уровней (от 112 до 336 плиток, размер одной плитки 32х32 пикселя)</a:t>
+              <a:t>Размер карты уровня (от 112 до 336 плиток, размер одной плитки 32х32 пикселя)</a:t>
             </a:r>
           </a:p>
           <a:p>

--- a/Б9121-09.03.03пикд_команда_4_презентация.pptx
+++ b/Б9121-09.03.03пикд_команда_4_презентация.pptx
@@ -4133,7 +4133,7 @@
             </a:r>
             <a:r>
               <a:rPr lang="ru-RU" sz="3200" dirty="0"/>
-              <a:t>1400 строк кода</a:t>
+              <a:t>2800 строк кода</a:t>
             </a:r>
           </a:p>
           <a:p>
@@ -7446,7 +7446,7 @@
             <a:pPr lvl="0"/>
             <a:r>
               <a:rPr lang="ru-RU" sz="3200" dirty="0"/>
-              <a:t>Сложность игры увеличивается при переходе на новый уровень</a:t>
+              <a:t>Сложность игры увеличивается</a:t>
             </a:r>
           </a:p>
           <a:p>
@@ -7459,7 +7459,7 @@
           <a:p>
             <a:r>
               <a:rPr lang="ru-RU" sz="3200" dirty="0"/>
-              <a:t>Игра не имеет конца, уровни могут генерироваться бесконечно.</a:t>
+              <a:t>Игра не имеет конца</a:t>
             </a:r>
           </a:p>
         </p:txBody>
